--- a/OS-Neutron-L3.pptx
+++ b/OS-Neutron-L3.pptx
@@ -240,7 +240,7 @@
           <a:p>
             <a:fld id="{33DDA533-49F4-41FE-842B-8B6488266972}" type="datetimeFigureOut">
               <a:rPr lang="en-US" smtClean="0"/>
-              <a:t>8/6/2015</a:t>
+              <a:t>8/7/2015</a:t>
             </a:fld>
             <a:endParaRPr lang="en-US"/>
           </a:p>
@@ -1889,7 +1889,7 @@
             <a:fld id="{1D8BD707-D9CF-40AE-B4C6-C98DA3205C09}" type="datetimeFigureOut">
               <a:rPr lang="en-US" smtClean="0"/>
               <a:pPr/>
-              <a:t>8/6/2015</a:t>
+              <a:t>8/7/2015</a:t>
             </a:fld>
             <a:endParaRPr lang="en-US"/>
           </a:p>
@@ -2056,7 +2056,7 @@
             <a:fld id="{1D8BD707-D9CF-40AE-B4C6-C98DA3205C09}" type="datetimeFigureOut">
               <a:rPr lang="en-US" smtClean="0"/>
               <a:pPr/>
-              <a:t>8/6/2015</a:t>
+              <a:t>8/7/2015</a:t>
             </a:fld>
             <a:endParaRPr lang="en-US"/>
           </a:p>
@@ -2233,7 +2233,7 @@
             <a:fld id="{1D8BD707-D9CF-40AE-B4C6-C98DA3205C09}" type="datetimeFigureOut">
               <a:rPr lang="en-US" smtClean="0"/>
               <a:pPr/>
-              <a:t>8/6/2015</a:t>
+              <a:t>8/7/2015</a:t>
             </a:fld>
             <a:endParaRPr lang="en-US"/>
           </a:p>
@@ -2400,7 +2400,7 @@
             <a:fld id="{1D8BD707-D9CF-40AE-B4C6-C98DA3205C09}" type="datetimeFigureOut">
               <a:rPr lang="en-US" smtClean="0"/>
               <a:pPr/>
-              <a:t>8/6/2015</a:t>
+              <a:t>8/7/2015</a:t>
             </a:fld>
             <a:endParaRPr lang="en-US"/>
           </a:p>
@@ -2643,7 +2643,7 @@
             <a:fld id="{1D8BD707-D9CF-40AE-B4C6-C98DA3205C09}" type="datetimeFigureOut">
               <a:rPr lang="en-US" smtClean="0"/>
               <a:pPr/>
-              <a:t>8/6/2015</a:t>
+              <a:t>8/7/2015</a:t>
             </a:fld>
             <a:endParaRPr lang="en-US"/>
           </a:p>
@@ -2928,7 +2928,7 @@
             <a:fld id="{1D8BD707-D9CF-40AE-B4C6-C98DA3205C09}" type="datetimeFigureOut">
               <a:rPr lang="en-US" smtClean="0"/>
               <a:pPr/>
-              <a:t>8/6/2015</a:t>
+              <a:t>8/7/2015</a:t>
             </a:fld>
             <a:endParaRPr lang="en-US"/>
           </a:p>
@@ -3347,7 +3347,7 @@
             <a:fld id="{1D8BD707-D9CF-40AE-B4C6-C98DA3205C09}" type="datetimeFigureOut">
               <a:rPr lang="en-US" smtClean="0"/>
               <a:pPr/>
-              <a:t>8/6/2015</a:t>
+              <a:t>8/7/2015</a:t>
             </a:fld>
             <a:endParaRPr lang="en-US"/>
           </a:p>
@@ -3462,7 +3462,7 @@
             <a:fld id="{1D8BD707-D9CF-40AE-B4C6-C98DA3205C09}" type="datetimeFigureOut">
               <a:rPr lang="en-US" smtClean="0"/>
               <a:pPr/>
-              <a:t>8/6/2015</a:t>
+              <a:t>8/7/2015</a:t>
             </a:fld>
             <a:endParaRPr lang="en-US"/>
           </a:p>
@@ -3554,7 +3554,7 @@
             <a:fld id="{1D8BD707-D9CF-40AE-B4C6-C98DA3205C09}" type="datetimeFigureOut">
               <a:rPr lang="en-US" smtClean="0"/>
               <a:pPr/>
-              <a:t>8/6/2015</a:t>
+              <a:t>8/7/2015</a:t>
             </a:fld>
             <a:endParaRPr lang="en-US"/>
           </a:p>
@@ -3828,7 +3828,7 @@
             <a:fld id="{1D8BD707-D9CF-40AE-B4C6-C98DA3205C09}" type="datetimeFigureOut">
               <a:rPr lang="en-US" smtClean="0"/>
               <a:pPr/>
-              <a:t>8/6/2015</a:t>
+              <a:t>8/7/2015</a:t>
             </a:fld>
             <a:endParaRPr lang="en-US"/>
           </a:p>
@@ -4078,7 +4078,7 @@
             <a:fld id="{1D8BD707-D9CF-40AE-B4C6-C98DA3205C09}" type="datetimeFigureOut">
               <a:rPr lang="en-US" smtClean="0"/>
               <a:pPr/>
-              <a:t>8/6/2015</a:t>
+              <a:t>8/7/2015</a:t>
             </a:fld>
             <a:endParaRPr lang="en-US"/>
           </a:p>
@@ -4288,7 +4288,7 @@
             <a:fld id="{1D8BD707-D9CF-40AE-B4C6-C98DA3205C09}" type="datetimeFigureOut">
               <a:rPr lang="en-US" smtClean="0"/>
               <a:pPr/>
-              <a:t>8/6/2015</a:t>
+              <a:t>8/7/2015</a:t>
             </a:fld>
             <a:endParaRPr lang="en-US"/>
           </a:p>
@@ -4675,8 +4675,12 @@
           <a:lstStyle/>
           <a:p>
             <a:r>
+              <a:rPr lang="en-US" smtClean="0"/>
+              <a:t>OpenStack Neutron: L3 </a:t>
+            </a:r>
+            <a:r>
               <a:rPr lang="en-US" dirty="0" smtClean="0"/>
-              <a:t>L3 Agent</a:t>
+              <a:t>Agent</a:t>
             </a:r>
             <a:br>
               <a:rPr lang="en-US" dirty="0" smtClean="0"/>
@@ -4700,6 +4704,14 @@
           <a:bodyPr/>
           <a:lstStyle/>
           <a:p>
+            <a:r>
+              <a:rPr lang="en-US" dirty="0" smtClean="0"/>
+              <a:t>Sridhar K. N. </a:t>
+            </a:r>
+            <a:r>
+              <a:rPr lang="en-US" smtClean="0"/>
+              <a:t>Rao</a:t>
+            </a:r>
             <a:endParaRPr lang="en-US"/>
           </a:p>
         </p:txBody>

--- a/OS-Neutron-L3.pptx
+++ b/OS-Neutron-L3.pptx
@@ -2,7 +2,7 @@
 <file path=ppt/presentation.xml><?xml version="1.0" encoding="utf-8"?>
 <p:presentation xmlns:a="http://schemas.openxmlformats.org/drawingml/2006/main" xmlns:r="http://schemas.openxmlformats.org/officeDocument/2006/relationships" xmlns:p="http://schemas.openxmlformats.org/presentationml/2006/main" saveSubsetFonts="1">
   <p:sldMasterIdLst>
-    <p:sldMasterId id="2147483648" r:id="rId1"/>
+    <p:sldMasterId id="2147483660" r:id="rId1"/>
   </p:sldMasterIdLst>
   <p:notesMasterIdLst>
     <p:notesMasterId r:id="rId51"/>
@@ -155,6 +155,22 @@
       </a:defRPr>
     </a:lvl9pPr>
   </p:defaultTextStyle>
+  <p:extLst>
+    <p:ext uri="{EFAFB233-063F-42B5-8137-9DF3F51BA10A}">
+      <p15:sldGuideLst xmlns:p15="http://schemas.microsoft.com/office/powerpoint/2012/main">
+        <p15:guide id="1" orient="horz" pos="2160">
+          <p15:clr>
+            <a:srgbClr val="A4A3A4"/>
+          </p15:clr>
+        </p15:guide>
+        <p15:guide id="2" pos="2880">
+          <p15:clr>
+            <a:srgbClr val="A4A3A4"/>
+          </p15:clr>
+        </p15:guide>
+      </p15:sldGuideLst>
+    </p:ext>
+  </p:extLst>
 </p:presentation>
 </file>
 
@@ -240,7 +256,7 @@
           <a:p>
             <a:fld id="{33DDA533-49F4-41FE-842B-8B6488266972}" type="datetimeFigureOut">
               <a:rPr lang="en-US" smtClean="0"/>
-              <a:t>8/7/2015</a:t>
+              <a:t>8/7/15</a:t>
             </a:fld>
             <a:endParaRPr lang="en-US"/>
           </a:p>
@@ -1736,19 +1752,25 @@
         </p:nvSpPr>
         <p:spPr>
           <a:xfrm>
-            <a:off x="685800" y="2130425"/>
+            <a:off x="685800" y="2130427"/>
             <a:ext cx="7772400" cy="1470025"/>
           </a:xfrm>
         </p:spPr>
         <p:txBody>
-          <a:bodyPr/>
-          <a:lstStyle/>
+          <a:bodyPr>
+            <a:normAutofit/>
+          </a:bodyPr>
+          <a:lstStyle>
+            <a:lvl1pPr algn="ctr">
+              <a:defRPr sz="3000"/>
+            </a:lvl1pPr>
+          </a:lstStyle>
           <a:p>
             <a:r>
               <a:rPr lang="en-US" smtClean="0"/>
               <a:t>Click to edit Master title style</a:t>
             </a:r>
-            <a:endParaRPr lang="en-US"/>
+            <a:endParaRPr lang="en-IN" dirty="0"/>
           </a:p>
         </p:txBody>
       </p:sp>
@@ -1781,7 +1803,7 @@
                 </a:solidFill>
               </a:defRPr>
             </a:lvl1pPr>
-            <a:lvl2pPr marL="457200" indent="0" algn="ctr">
+            <a:lvl2pPr marL="380985" indent="0" algn="ctr">
               <a:buNone/>
               <a:defRPr>
                 <a:solidFill>
@@ -1791,7 +1813,7 @@
                 </a:solidFill>
               </a:defRPr>
             </a:lvl2pPr>
-            <a:lvl3pPr marL="914400" indent="0" algn="ctr">
+            <a:lvl3pPr marL="761970" indent="0" algn="ctr">
               <a:buNone/>
               <a:defRPr>
                 <a:solidFill>
@@ -1801,7 +1823,7 @@
                 </a:solidFill>
               </a:defRPr>
             </a:lvl3pPr>
-            <a:lvl4pPr marL="1371600" indent="0" algn="ctr">
+            <a:lvl4pPr marL="1142954" indent="0" algn="ctr">
               <a:buNone/>
               <a:defRPr>
                 <a:solidFill>
@@ -1811,7 +1833,7 @@
                 </a:solidFill>
               </a:defRPr>
             </a:lvl4pPr>
-            <a:lvl5pPr marL="1828800" indent="0" algn="ctr">
+            <a:lvl5pPr marL="1523939" indent="0" algn="ctr">
               <a:buNone/>
               <a:defRPr>
                 <a:solidFill>
@@ -1821,7 +1843,7 @@
                 </a:solidFill>
               </a:defRPr>
             </a:lvl5pPr>
-            <a:lvl6pPr marL="2286000" indent="0" algn="ctr">
+            <a:lvl6pPr marL="1904924" indent="0" algn="ctr">
               <a:buNone/>
               <a:defRPr>
                 <a:solidFill>
@@ -1831,7 +1853,7 @@
                 </a:solidFill>
               </a:defRPr>
             </a:lvl6pPr>
-            <a:lvl7pPr marL="2743200" indent="0" algn="ctr">
+            <a:lvl7pPr marL="2285909" indent="0" algn="ctr">
               <a:buNone/>
               <a:defRPr>
                 <a:solidFill>
@@ -1841,7 +1863,7 @@
                 </a:solidFill>
               </a:defRPr>
             </a:lvl7pPr>
-            <a:lvl8pPr marL="3200400" indent="0" algn="ctr">
+            <a:lvl8pPr marL="2666893" indent="0" algn="ctr">
               <a:buNone/>
               <a:defRPr>
                 <a:solidFill>
@@ -1851,7 +1873,7 @@
                 </a:solidFill>
               </a:defRPr>
             </a:lvl8pPr>
-            <a:lvl9pPr marL="3657600" indent="0" algn="ctr">
+            <a:lvl9pPr marL="3047878" indent="0" algn="ctr">
               <a:buNone/>
               <a:defRPr>
                 <a:solidFill>
@@ -1867,7 +1889,7 @@
               <a:rPr lang="en-US" smtClean="0"/>
               <a:t>Click to edit Master subtitle style</a:t>
             </a:r>
-            <a:endParaRPr lang="en-US"/>
+            <a:endParaRPr lang="en-IN"/>
           </a:p>
         </p:txBody>
       </p:sp>
@@ -1889,7 +1911,7 @@
             <a:fld id="{1D8BD707-D9CF-40AE-B4C6-C98DA3205C09}" type="datetimeFigureOut">
               <a:rPr lang="en-US" smtClean="0"/>
               <a:pPr/>
-              <a:t>8/7/2015</a:t>
+              <a:t>8/7/15</a:t>
             </a:fld>
             <a:endParaRPr lang="en-US"/>
           </a:p>
@@ -1938,7 +1960,78 @@
           </a:p>
         </p:txBody>
       </p:sp>
+      <p:sp>
+        <p:nvSpPr>
+          <p:cNvPr id="7" name="Rectangle 6"/>
+          <p:cNvSpPr/>
+          <p:nvPr/>
+        </p:nvSpPr>
+        <p:spPr>
+          <a:xfrm>
+            <a:off x="9036498" y="0"/>
+            <a:ext cx="107503" cy="6858000"/>
+          </a:xfrm>
+          <a:prstGeom prst="rect">
+            <a:avLst/>
+          </a:prstGeom>
+          <a:gradFill>
+            <a:gsLst>
+              <a:gs pos="0">
+                <a:schemeClr val="accent6">
+                  <a:lumMod val="75000"/>
+                </a:schemeClr>
+              </a:gs>
+              <a:gs pos="50000">
+                <a:schemeClr val="accent6">
+                  <a:lumMod val="60000"/>
+                  <a:lumOff val="40000"/>
+                </a:schemeClr>
+              </a:gs>
+              <a:gs pos="100000">
+                <a:schemeClr val="accent6">
+                  <a:lumMod val="40000"/>
+                  <a:lumOff val="60000"/>
+                  <a:alpha val="69000"/>
+                </a:schemeClr>
+              </a:gs>
+            </a:gsLst>
+            <a:lin ang="5400000" scaled="0"/>
+          </a:gradFill>
+          <a:ln>
+            <a:noFill/>
+          </a:ln>
+        </p:spPr>
+        <p:style>
+          <a:lnRef idx="2">
+            <a:schemeClr val="accent1">
+              <a:shade val="50000"/>
+            </a:schemeClr>
+          </a:lnRef>
+          <a:fillRef idx="1">
+            <a:schemeClr val="accent1"/>
+          </a:fillRef>
+          <a:effectRef idx="0">
+            <a:schemeClr val="accent1"/>
+          </a:effectRef>
+          <a:fontRef idx="minor">
+            <a:schemeClr val="lt1"/>
+          </a:fontRef>
+        </p:style>
+        <p:txBody>
+          <a:bodyPr rtlCol="0" anchor="ctr"/>
+          <a:lstStyle/>
+          <a:p>
+            <a:pPr algn="ctr"/>
+            <a:endParaRPr lang="en-IN" sz="1167"/>
+          </a:p>
+        </p:txBody>
+      </p:sp>
     </p:spTree>
+    <p:extLst>
+      <p:ext uri="{BB962C8B-B14F-4D97-AF65-F5344CB8AC3E}">
+        <p14:creationId xmlns:p14="http://schemas.microsoft.com/office/powerpoint/2010/main" val="682736626"/>
+      </p:ext>
+    </p:extLst>
   </p:cSld>
   <p:clrMapOvr>
     <a:masterClrMapping/>
@@ -1982,7 +2075,7 @@
               <a:rPr lang="en-US" smtClean="0"/>
               <a:t>Click to edit Master title style</a:t>
             </a:r>
-            <a:endParaRPr lang="en-US"/>
+            <a:endParaRPr lang="en-IN"/>
           </a:p>
         </p:txBody>
       </p:sp>
@@ -2034,7 +2127,7 @@
               <a:rPr lang="en-US" smtClean="0"/>
               <a:t>Fifth level</a:t>
             </a:r>
-            <a:endParaRPr lang="en-US"/>
+            <a:endParaRPr lang="en-IN"/>
           </a:p>
         </p:txBody>
       </p:sp>
@@ -2056,7 +2149,7 @@
             <a:fld id="{1D8BD707-D9CF-40AE-B4C6-C98DA3205C09}" type="datetimeFigureOut">
               <a:rPr lang="en-US" smtClean="0"/>
               <a:pPr/>
-              <a:t>8/7/2015</a:t>
+              <a:t>8/7/15</a:t>
             </a:fld>
             <a:endParaRPr lang="en-US"/>
           </a:p>
@@ -2106,6 +2199,11 @@
         </p:txBody>
       </p:sp>
     </p:spTree>
+    <p:extLst>
+      <p:ext uri="{BB962C8B-B14F-4D97-AF65-F5344CB8AC3E}">
+        <p14:creationId xmlns:p14="http://schemas.microsoft.com/office/powerpoint/2010/main" val="354367395"/>
+      </p:ext>
+    </p:extLst>
   </p:cSld>
   <p:clrMapOvr>
     <a:masterClrMapping/>
@@ -2142,7 +2240,7 @@
         </p:nvSpPr>
         <p:spPr>
           <a:xfrm>
-            <a:off x="6629400" y="274638"/>
+            <a:off x="6629400" y="274640"/>
             <a:ext cx="2057400" cy="5851525"/>
           </a:xfrm>
         </p:spPr>
@@ -2154,7 +2252,7 @@
               <a:rPr lang="en-US" smtClean="0"/>
               <a:t>Click to edit Master title style</a:t>
             </a:r>
-            <a:endParaRPr lang="en-US"/>
+            <a:endParaRPr lang="en-IN"/>
           </a:p>
         </p:txBody>
       </p:sp>
@@ -2170,7 +2268,7 @@
         </p:nvSpPr>
         <p:spPr>
           <a:xfrm>
-            <a:off x="457200" y="274638"/>
+            <a:off x="457200" y="274640"/>
             <a:ext cx="6019800" cy="5851525"/>
           </a:xfrm>
         </p:spPr>
@@ -2211,7 +2309,7 @@
               <a:rPr lang="en-US" smtClean="0"/>
               <a:t>Fifth level</a:t>
             </a:r>
-            <a:endParaRPr lang="en-US"/>
+            <a:endParaRPr lang="en-IN"/>
           </a:p>
         </p:txBody>
       </p:sp>
@@ -2233,7 +2331,7 @@
             <a:fld id="{1D8BD707-D9CF-40AE-B4C6-C98DA3205C09}" type="datetimeFigureOut">
               <a:rPr lang="en-US" smtClean="0"/>
               <a:pPr/>
-              <a:t>8/7/2015</a:t>
+              <a:t>8/7/15</a:t>
             </a:fld>
             <a:endParaRPr lang="en-US"/>
           </a:p>
@@ -2283,6 +2381,398 @@
         </p:txBody>
       </p:sp>
     </p:spTree>
+    <p:extLst>
+      <p:ext uri="{BB962C8B-B14F-4D97-AF65-F5344CB8AC3E}">
+        <p14:creationId xmlns:p14="http://schemas.microsoft.com/office/powerpoint/2010/main" val="25222833"/>
+      </p:ext>
+    </p:extLst>
+  </p:cSld>
+  <p:clrMapOvr>
+    <a:masterClrMapping/>
+  </p:clrMapOvr>
+</p:sldLayout>
+</file>
+
+<file path=ppt/slideLayouts/slideLayout12.xml><?xml version="1.0" encoding="utf-8"?>
+<p:sldLayout xmlns:a="http://schemas.openxmlformats.org/drawingml/2006/main" xmlns:r="http://schemas.openxmlformats.org/officeDocument/2006/relationships" xmlns:p="http://schemas.openxmlformats.org/presentationml/2006/main" type="tx">
+  <p:cSld name="Title and Body">
+    <p:spTree>
+      <p:nvGrpSpPr>
+        <p:cNvPr id="1" name="Shape 12"/>
+        <p:cNvGrpSpPr/>
+        <p:nvPr/>
+      </p:nvGrpSpPr>
+      <p:grpSpPr>
+        <a:xfrm>
+          <a:off x="0" y="0"/>
+          <a:ext cx="0" cy="0"/>
+          <a:chOff x="0" y="0"/>
+          <a:chExt cx="0" cy="0"/>
+        </a:xfrm>
+      </p:grpSpPr>
+      <p:sp>
+        <p:nvSpPr>
+          <p:cNvPr id="13" name="Shape 13"/>
+          <p:cNvSpPr txBox="1">
+            <a:spLocks noGrp="1"/>
+          </p:cNvSpPr>
+          <p:nvPr>
+            <p:ph type="title"/>
+          </p:nvPr>
+        </p:nvSpPr>
+        <p:spPr>
+          <a:xfrm>
+            <a:off x="72701" y="274636"/>
+            <a:ext cx="8951100" cy="668159"/>
+          </a:xfrm>
+          <a:prstGeom prst="rect">
+            <a:avLst/>
+          </a:prstGeom>
+        </p:spPr>
+        <p:txBody>
+          <a:bodyPr lIns="91425" tIns="91425" rIns="91425" bIns="91425" anchor="b" anchorCtr="0"/>
+          <a:lstStyle>
+            <a:lvl1pPr>
+              <a:spcBef>
+                <a:spcPts val="0"/>
+              </a:spcBef>
+              <a:buSzPct val="100000"/>
+              <a:defRPr sz="2400"/>
+            </a:lvl1pPr>
+            <a:lvl2pPr>
+              <a:spcBef>
+                <a:spcPts val="0"/>
+              </a:spcBef>
+              <a:defRPr/>
+            </a:lvl2pPr>
+            <a:lvl3pPr>
+              <a:spcBef>
+                <a:spcPts val="0"/>
+              </a:spcBef>
+              <a:defRPr/>
+            </a:lvl3pPr>
+            <a:lvl4pPr>
+              <a:spcBef>
+                <a:spcPts val="0"/>
+              </a:spcBef>
+              <a:defRPr/>
+            </a:lvl4pPr>
+            <a:lvl5pPr>
+              <a:spcBef>
+                <a:spcPts val="0"/>
+              </a:spcBef>
+              <a:defRPr/>
+            </a:lvl5pPr>
+            <a:lvl6pPr>
+              <a:spcBef>
+                <a:spcPts val="0"/>
+              </a:spcBef>
+              <a:defRPr/>
+            </a:lvl6pPr>
+            <a:lvl7pPr>
+              <a:spcBef>
+                <a:spcPts val="0"/>
+              </a:spcBef>
+              <a:defRPr/>
+            </a:lvl7pPr>
+            <a:lvl8pPr>
+              <a:spcBef>
+                <a:spcPts val="0"/>
+              </a:spcBef>
+              <a:defRPr/>
+            </a:lvl8pPr>
+            <a:lvl9pPr>
+              <a:spcBef>
+                <a:spcPts val="0"/>
+              </a:spcBef>
+              <a:defRPr/>
+            </a:lvl9pPr>
+          </a:lstStyle>
+          <a:p>
+            <a:r>
+              <a:rPr lang="en-US" smtClean="0"/>
+              <a:t>Click to edit Master title style</a:t>
+            </a:r>
+            <a:endParaRPr/>
+          </a:p>
+        </p:txBody>
+      </p:sp>
+      <p:sp>
+        <p:nvSpPr>
+          <p:cNvPr id="14" name="Shape 14"/>
+          <p:cNvSpPr txBox="1">
+            <a:spLocks noGrp="1"/>
+          </p:cNvSpPr>
+          <p:nvPr>
+            <p:ph type="body" idx="1"/>
+          </p:nvPr>
+        </p:nvSpPr>
+        <p:spPr>
+          <a:xfrm>
+            <a:off x="72701" y="942632"/>
+            <a:ext cx="8951100" cy="5625360"/>
+          </a:xfrm>
+          <a:prstGeom prst="rect">
+            <a:avLst/>
+          </a:prstGeom>
+        </p:spPr>
+        <p:txBody>
+          <a:bodyPr lIns="91425" tIns="91425" rIns="91425" bIns="91425" anchor="t" anchorCtr="0"/>
+          <a:lstStyle>
+            <a:lvl1pPr>
+              <a:spcBef>
+                <a:spcPts val="0"/>
+              </a:spcBef>
+              <a:buSzPct val="100000"/>
+              <a:defRPr sz="2000"/>
+            </a:lvl1pPr>
+            <a:lvl2pPr>
+              <a:spcBef>
+                <a:spcPts val="0"/>
+              </a:spcBef>
+              <a:buSzPct val="100000"/>
+              <a:defRPr sz="1800"/>
+            </a:lvl2pPr>
+            <a:lvl3pPr>
+              <a:spcBef>
+                <a:spcPts val="0"/>
+              </a:spcBef>
+              <a:buSzPct val="100000"/>
+              <a:defRPr sz="1600"/>
+            </a:lvl3pPr>
+            <a:lvl4pPr>
+              <a:spcBef>
+                <a:spcPts val="0"/>
+              </a:spcBef>
+              <a:buSzPct val="100000"/>
+              <a:defRPr sz="1400"/>
+            </a:lvl4pPr>
+            <a:lvl5pPr>
+              <a:spcBef>
+                <a:spcPts val="0"/>
+              </a:spcBef>
+              <a:buSzPct val="100000"/>
+              <a:defRPr sz="1200"/>
+            </a:lvl5pPr>
+            <a:lvl6pPr>
+              <a:spcBef>
+                <a:spcPts val="0"/>
+              </a:spcBef>
+              <a:buSzPct val="100000"/>
+              <a:defRPr sz="1000"/>
+            </a:lvl6pPr>
+            <a:lvl7pPr>
+              <a:spcBef>
+                <a:spcPts val="0"/>
+              </a:spcBef>
+              <a:buSzPct val="100000"/>
+              <a:defRPr sz="1000"/>
+            </a:lvl7pPr>
+            <a:lvl8pPr>
+              <a:spcBef>
+                <a:spcPts val="0"/>
+              </a:spcBef>
+              <a:buSzPct val="100000"/>
+              <a:defRPr sz="1000"/>
+            </a:lvl8pPr>
+            <a:lvl9pPr>
+              <a:spcBef>
+                <a:spcPts val="0"/>
+              </a:spcBef>
+              <a:buSzPct val="100000"/>
+              <a:defRPr sz="800"/>
+            </a:lvl9pPr>
+          </a:lstStyle>
+          <a:p>
+            <a:pPr lvl="0"/>
+            <a:r>
+              <a:rPr lang="en-US" smtClean="0"/>
+              <a:t>Click to edit Master text styles</a:t>
+            </a:r>
+          </a:p>
+        </p:txBody>
+      </p:sp>
+      <p:sp>
+        <p:nvSpPr>
+          <p:cNvPr id="15" name="Shape 15"/>
+          <p:cNvSpPr txBox="1">
+            <a:spLocks noGrp="1"/>
+          </p:cNvSpPr>
+          <p:nvPr>
+            <p:ph type="sldNum" idx="12"/>
+          </p:nvPr>
+        </p:nvSpPr>
+        <p:spPr>
+          <a:xfrm>
+            <a:off x="8556793" y="6333137"/>
+            <a:ext cx="548699" cy="524519"/>
+          </a:xfrm>
+          <a:prstGeom prst="rect">
+            <a:avLst/>
+          </a:prstGeom>
+        </p:spPr>
+        <p:txBody>
+          <a:bodyPr lIns="91425" tIns="91425" rIns="91425" bIns="91425" anchor="ctr" anchorCtr="0">
+            <a:noAutofit/>
+          </a:bodyPr>
+          <a:lstStyle>
+            <a:lvl1pPr>
+              <a:spcBef>
+                <a:spcPts val="0"/>
+              </a:spcBef>
+              <a:buNone/>
+              <a:defRPr/>
+            </a:lvl1pPr>
+          </a:lstStyle>
+          <a:p>
+            <a:fld id="{B6F15528-21DE-4FAA-801E-634DDDAF4B2B}" type="slidenum">
+              <a:rPr lang="en-US" smtClean="0"/>
+              <a:pPr/>
+              <a:t>‹#›</a:t>
+            </a:fld>
+            <a:endParaRPr lang="en-US"/>
+          </a:p>
+        </p:txBody>
+      </p:sp>
+      <p:sp>
+        <p:nvSpPr>
+          <p:cNvPr id="7" name="Rectangle 6"/>
+          <p:cNvSpPr/>
+          <p:nvPr/>
+        </p:nvSpPr>
+        <p:spPr>
+          <a:xfrm>
+            <a:off x="9036498" y="0"/>
+            <a:ext cx="107503" cy="6858000"/>
+          </a:xfrm>
+          <a:prstGeom prst="rect">
+            <a:avLst/>
+          </a:prstGeom>
+          <a:gradFill>
+            <a:gsLst>
+              <a:gs pos="0">
+                <a:schemeClr val="accent6">
+                  <a:lumMod val="75000"/>
+                </a:schemeClr>
+              </a:gs>
+              <a:gs pos="50000">
+                <a:schemeClr val="accent6">
+                  <a:lumMod val="60000"/>
+                  <a:lumOff val="40000"/>
+                </a:schemeClr>
+              </a:gs>
+              <a:gs pos="100000">
+                <a:schemeClr val="accent6">
+                  <a:lumMod val="40000"/>
+                  <a:lumOff val="60000"/>
+                  <a:alpha val="69000"/>
+                </a:schemeClr>
+              </a:gs>
+            </a:gsLst>
+            <a:lin ang="5400000" scaled="0"/>
+          </a:gradFill>
+          <a:ln>
+            <a:noFill/>
+          </a:ln>
+        </p:spPr>
+        <p:style>
+          <a:lnRef idx="2">
+            <a:schemeClr val="accent1">
+              <a:shade val="50000"/>
+            </a:schemeClr>
+          </a:lnRef>
+          <a:fillRef idx="1">
+            <a:schemeClr val="accent1"/>
+          </a:fillRef>
+          <a:effectRef idx="0">
+            <a:schemeClr val="accent1"/>
+          </a:effectRef>
+          <a:fontRef idx="minor">
+            <a:schemeClr val="lt1"/>
+          </a:fontRef>
+        </p:style>
+        <p:txBody>
+          <a:bodyPr rtlCol="0" anchor="ctr"/>
+          <a:lstStyle/>
+          <a:p>
+            <a:pPr algn="ctr"/>
+            <a:endParaRPr lang="en-IN" sz="1167"/>
+          </a:p>
+        </p:txBody>
+      </p:sp>
+      <p:sp>
+        <p:nvSpPr>
+          <p:cNvPr id="8" name="Rectangle 7"/>
+          <p:cNvSpPr/>
+          <p:nvPr/>
+        </p:nvSpPr>
+        <p:spPr>
+          <a:xfrm rot="10800000" flipV="1">
+            <a:off x="107507" y="881187"/>
+            <a:ext cx="8928991" cy="61780"/>
+          </a:xfrm>
+          <a:prstGeom prst="rect">
+            <a:avLst/>
+          </a:prstGeom>
+          <a:gradFill flip="none" rotWithShape="1">
+            <a:gsLst>
+              <a:gs pos="0">
+                <a:schemeClr val="accent6">
+                  <a:lumMod val="75000"/>
+                </a:schemeClr>
+              </a:gs>
+              <a:gs pos="50000">
+                <a:schemeClr val="accent6">
+                  <a:lumMod val="60000"/>
+                  <a:lumOff val="40000"/>
+                </a:schemeClr>
+              </a:gs>
+              <a:gs pos="100000">
+                <a:schemeClr val="accent6">
+                  <a:lumMod val="40000"/>
+                  <a:lumOff val="60000"/>
+                  <a:alpha val="0"/>
+                </a:schemeClr>
+              </a:gs>
+            </a:gsLst>
+            <a:lin ang="0" scaled="1"/>
+            <a:tileRect/>
+          </a:gradFill>
+          <a:ln>
+            <a:noFill/>
+          </a:ln>
+        </p:spPr>
+        <p:style>
+          <a:lnRef idx="2">
+            <a:schemeClr val="accent1">
+              <a:shade val="50000"/>
+            </a:schemeClr>
+          </a:lnRef>
+          <a:fillRef idx="1">
+            <a:schemeClr val="accent1"/>
+          </a:fillRef>
+          <a:effectRef idx="0">
+            <a:schemeClr val="accent1"/>
+          </a:effectRef>
+          <a:fontRef idx="minor">
+            <a:schemeClr val="lt1"/>
+          </a:fontRef>
+        </p:style>
+        <p:txBody>
+          <a:bodyPr rtlCol="0" anchor="ctr"/>
+          <a:lstStyle/>
+          <a:p>
+            <a:pPr algn="ctr"/>
+            <a:endParaRPr lang="en-IN" sz="1800"/>
+          </a:p>
+        </p:txBody>
+      </p:sp>
+    </p:spTree>
+    <p:extLst>
+      <p:ext uri="{BB962C8B-B14F-4D97-AF65-F5344CB8AC3E}">
+        <p14:creationId xmlns:p14="http://schemas.microsoft.com/office/powerpoint/2010/main" val="1245644428"/>
+      </p:ext>
+    </p:extLst>
   </p:cSld>
   <p:clrMapOvr>
     <a:masterClrMapping/>
@@ -2326,7 +2816,7 @@
               <a:rPr lang="en-US" smtClean="0"/>
               <a:t>Click to edit Master title style</a:t>
             </a:r>
-            <a:endParaRPr lang="en-US"/>
+            <a:endParaRPr lang="en-IN"/>
           </a:p>
         </p:txBody>
       </p:sp>
@@ -2340,7 +2830,12 @@
             <p:ph idx="1"/>
           </p:nvPr>
         </p:nvSpPr>
-        <p:spPr/>
+        <p:spPr>
+          <a:xfrm>
+            <a:off x="107505" y="764704"/>
+            <a:ext cx="8928992" cy="5544616"/>
+          </a:xfrm>
+        </p:spPr>
         <p:txBody>
           <a:bodyPr/>
           <a:lstStyle/>
@@ -2378,7 +2873,7 @@
               <a:rPr lang="en-US" smtClean="0"/>
               <a:t>Fifth level</a:t>
             </a:r>
-            <a:endParaRPr lang="en-US"/>
+            <a:endParaRPr lang="en-IN" dirty="0"/>
           </a:p>
         </p:txBody>
       </p:sp>
@@ -2392,7 +2887,12 @@
             <p:ph type="dt" sz="half" idx="10"/>
           </p:nvPr>
         </p:nvSpPr>
-        <p:spPr/>
+        <p:spPr>
+          <a:xfrm>
+            <a:off x="87200" y="6469087"/>
+            <a:ext cx="2133600" cy="365125"/>
+          </a:xfrm>
+        </p:spPr>
         <p:txBody>
           <a:bodyPr/>
           <a:lstStyle/>
@@ -2400,7 +2900,7 @@
             <a:fld id="{1D8BD707-D9CF-40AE-B4C6-C98DA3205C09}" type="datetimeFigureOut">
               <a:rPr lang="en-US" smtClean="0"/>
               <a:pPr/>
-              <a:t>8/7/2015</a:t>
+              <a:t>8/7/15</a:t>
             </a:fld>
             <a:endParaRPr lang="en-US"/>
           </a:p>
@@ -2416,7 +2916,12 @@
             <p:ph type="ftr" sz="quarter" idx="11"/>
           </p:nvPr>
         </p:nvSpPr>
-        <p:spPr/>
+        <p:spPr>
+          <a:xfrm>
+            <a:off x="3170450" y="6469087"/>
+            <a:ext cx="2895600" cy="365125"/>
+          </a:xfrm>
+        </p:spPr>
         <p:txBody>
           <a:bodyPr/>
           <a:lstStyle/>
@@ -2435,7 +2940,12 @@
             <p:ph type="sldNum" sz="quarter" idx="12"/>
           </p:nvPr>
         </p:nvSpPr>
-        <p:spPr/>
+        <p:spPr>
+          <a:xfrm>
+            <a:off x="6883400" y="6480350"/>
+            <a:ext cx="2133600" cy="365125"/>
+          </a:xfrm>
+        </p:spPr>
         <p:txBody>
           <a:bodyPr/>
           <a:lstStyle/>
@@ -2449,7 +2959,145 @@
           </a:p>
         </p:txBody>
       </p:sp>
+      <p:sp>
+        <p:nvSpPr>
+          <p:cNvPr id="8" name="Rectangle 7"/>
+          <p:cNvSpPr/>
+          <p:nvPr/>
+        </p:nvSpPr>
+        <p:spPr>
+          <a:xfrm>
+            <a:off x="9036498" y="0"/>
+            <a:ext cx="107503" cy="6858000"/>
+          </a:xfrm>
+          <a:prstGeom prst="rect">
+            <a:avLst/>
+          </a:prstGeom>
+          <a:gradFill>
+            <a:gsLst>
+              <a:gs pos="0">
+                <a:schemeClr val="accent6">
+                  <a:lumMod val="75000"/>
+                </a:schemeClr>
+              </a:gs>
+              <a:gs pos="50000">
+                <a:schemeClr val="accent6">
+                  <a:lumMod val="60000"/>
+                  <a:lumOff val="40000"/>
+                </a:schemeClr>
+              </a:gs>
+              <a:gs pos="100000">
+                <a:schemeClr val="accent6">
+                  <a:lumMod val="40000"/>
+                  <a:lumOff val="60000"/>
+                  <a:alpha val="69000"/>
+                </a:schemeClr>
+              </a:gs>
+            </a:gsLst>
+            <a:lin ang="5400000" scaled="0"/>
+          </a:gradFill>
+          <a:ln>
+            <a:noFill/>
+          </a:ln>
+        </p:spPr>
+        <p:style>
+          <a:lnRef idx="2">
+            <a:schemeClr val="accent1">
+              <a:shade val="50000"/>
+            </a:schemeClr>
+          </a:lnRef>
+          <a:fillRef idx="1">
+            <a:schemeClr val="accent1"/>
+          </a:fillRef>
+          <a:effectRef idx="0">
+            <a:schemeClr val="accent1"/>
+          </a:effectRef>
+          <a:fontRef idx="minor">
+            <a:schemeClr val="lt1"/>
+          </a:fontRef>
+        </p:style>
+        <p:txBody>
+          <a:bodyPr rtlCol="0" anchor="ctr"/>
+          <a:lstStyle/>
+          <a:p>
+            <a:pPr algn="ctr"/>
+            <a:endParaRPr lang="en-IN" sz="1167"/>
+          </a:p>
+        </p:txBody>
+      </p:sp>
+      <p:sp>
+        <p:nvSpPr>
+          <p:cNvPr id="9" name="Rectangle 8"/>
+          <p:cNvSpPr/>
+          <p:nvPr/>
+        </p:nvSpPr>
+        <p:spPr>
+          <a:xfrm rot="10800000" flipV="1">
+            <a:off x="107505" y="702924"/>
+            <a:ext cx="8928991" cy="61780"/>
+          </a:xfrm>
+          <a:prstGeom prst="rect">
+            <a:avLst/>
+          </a:prstGeom>
+          <a:gradFill flip="none" rotWithShape="1">
+            <a:gsLst>
+              <a:gs pos="0">
+                <a:schemeClr val="accent6">
+                  <a:lumMod val="75000"/>
+                </a:schemeClr>
+              </a:gs>
+              <a:gs pos="50000">
+                <a:schemeClr val="accent6">
+                  <a:lumMod val="60000"/>
+                  <a:lumOff val="40000"/>
+                </a:schemeClr>
+              </a:gs>
+              <a:gs pos="100000">
+                <a:schemeClr val="accent6">
+                  <a:lumMod val="40000"/>
+                  <a:lumOff val="60000"/>
+                  <a:alpha val="0"/>
+                </a:schemeClr>
+              </a:gs>
+            </a:gsLst>
+            <a:lin ang="0" scaled="1"/>
+            <a:tileRect/>
+          </a:gradFill>
+          <a:ln>
+            <a:noFill/>
+          </a:ln>
+        </p:spPr>
+        <p:style>
+          <a:lnRef idx="2">
+            <a:schemeClr val="accent1">
+              <a:shade val="50000"/>
+            </a:schemeClr>
+          </a:lnRef>
+          <a:fillRef idx="1">
+            <a:schemeClr val="accent1"/>
+          </a:fillRef>
+          <a:effectRef idx="0">
+            <a:schemeClr val="accent1"/>
+          </a:effectRef>
+          <a:fontRef idx="minor">
+            <a:schemeClr val="lt1"/>
+          </a:fontRef>
+        </p:style>
+        <p:txBody>
+          <a:bodyPr rtlCol="0" anchor="ctr"/>
+          <a:lstStyle/>
+          <a:p>
+            <a:pPr algn="ctr"/>
+            <a:endParaRPr lang="en-IN" sz="1800"/>
+          </a:p>
+        </p:txBody>
+      </p:sp>
     </p:spTree>
+    <p:extLst>
+      <p:ext uri="{BB962C8B-B14F-4D97-AF65-F5344CB8AC3E}">
+        <p14:creationId xmlns:p14="http://schemas.microsoft.com/office/powerpoint/2010/main" val="1916237892"/>
+      </p:ext>
+    </p:extLst>
   </p:cSld>
   <p:clrMapOvr>
     <a:masterClrMapping/>
@@ -2486,15 +3134,15 @@
         </p:nvSpPr>
         <p:spPr>
           <a:xfrm>
-            <a:off x="722313" y="4406900"/>
-            <a:ext cx="7772400" cy="1362075"/>
+            <a:off x="722313" y="4406902"/>
+            <a:ext cx="7772400" cy="1362076"/>
           </a:xfrm>
         </p:spPr>
         <p:txBody>
           <a:bodyPr anchor="t"/>
           <a:lstStyle>
             <a:lvl1pPr algn="l">
-              <a:defRPr sz="4000" b="1" cap="all"/>
+              <a:defRPr sz="3333" b="1" cap="all"/>
             </a:lvl1pPr>
           </a:lstStyle>
           <a:p>
@@ -2502,7 +3150,7 @@
               <a:rPr lang="en-US" smtClean="0"/>
               <a:t>Click to edit Master title style</a:t>
             </a:r>
-            <a:endParaRPr lang="en-US"/>
+            <a:endParaRPr lang="en-IN"/>
           </a:p>
         </p:txBody>
       </p:sp>
@@ -2527,7 +3175,7 @@
           <a:lstStyle>
             <a:lvl1pPr marL="0" indent="0">
               <a:buNone/>
-              <a:defRPr sz="2000">
+              <a:defRPr sz="1667">
                 <a:solidFill>
                   <a:schemeClr val="tx1">
                     <a:tint val="75000"/>
@@ -2535,9 +3183,9 @@
                 </a:solidFill>
               </a:defRPr>
             </a:lvl1pPr>
-            <a:lvl2pPr marL="457200" indent="0">
+            <a:lvl2pPr marL="380985" indent="0">
               <a:buNone/>
-              <a:defRPr sz="1800">
+              <a:defRPr sz="1500">
                 <a:solidFill>
                   <a:schemeClr val="tx1">
                     <a:tint val="75000"/>
@@ -2545,9 +3193,9 @@
                 </a:solidFill>
               </a:defRPr>
             </a:lvl2pPr>
-            <a:lvl3pPr marL="914400" indent="0">
+            <a:lvl3pPr marL="761970" indent="0">
               <a:buNone/>
-              <a:defRPr sz="1600">
+              <a:defRPr sz="1333">
                 <a:solidFill>
                   <a:schemeClr val="tx1">
                     <a:tint val="75000"/>
@@ -2555,9 +3203,9 @@
                 </a:solidFill>
               </a:defRPr>
             </a:lvl3pPr>
-            <a:lvl4pPr marL="1371600" indent="0">
+            <a:lvl4pPr marL="1142954" indent="0">
               <a:buNone/>
-              <a:defRPr sz="1400">
+              <a:defRPr sz="1167">
                 <a:solidFill>
                   <a:schemeClr val="tx1">
                     <a:tint val="75000"/>
@@ -2565,9 +3213,9 @@
                 </a:solidFill>
               </a:defRPr>
             </a:lvl4pPr>
-            <a:lvl5pPr marL="1828800" indent="0">
+            <a:lvl5pPr marL="1523939" indent="0">
               <a:buNone/>
-              <a:defRPr sz="1400">
+              <a:defRPr sz="1167">
                 <a:solidFill>
                   <a:schemeClr val="tx1">
                     <a:tint val="75000"/>
@@ -2575,9 +3223,9 @@
                 </a:solidFill>
               </a:defRPr>
             </a:lvl5pPr>
-            <a:lvl6pPr marL="2286000" indent="0">
+            <a:lvl6pPr marL="1904924" indent="0">
               <a:buNone/>
-              <a:defRPr sz="1400">
+              <a:defRPr sz="1167">
                 <a:solidFill>
                   <a:schemeClr val="tx1">
                     <a:tint val="75000"/>
@@ -2585,9 +3233,9 @@
                 </a:solidFill>
               </a:defRPr>
             </a:lvl6pPr>
-            <a:lvl7pPr marL="2743200" indent="0">
+            <a:lvl7pPr marL="2285909" indent="0">
               <a:buNone/>
-              <a:defRPr sz="1400">
+              <a:defRPr sz="1167">
                 <a:solidFill>
                   <a:schemeClr val="tx1">
                     <a:tint val="75000"/>
@@ -2595,9 +3243,9 @@
                 </a:solidFill>
               </a:defRPr>
             </a:lvl7pPr>
-            <a:lvl8pPr marL="3200400" indent="0">
+            <a:lvl8pPr marL="2666893" indent="0">
               <a:buNone/>
-              <a:defRPr sz="1400">
+              <a:defRPr sz="1167">
                 <a:solidFill>
                   <a:schemeClr val="tx1">
                     <a:tint val="75000"/>
@@ -2605,9 +3253,9 @@
                 </a:solidFill>
               </a:defRPr>
             </a:lvl8pPr>
-            <a:lvl9pPr marL="3657600" indent="0">
+            <a:lvl9pPr marL="3047878" indent="0">
               <a:buNone/>
-              <a:defRPr sz="1400">
+              <a:defRPr sz="1167">
                 <a:solidFill>
                   <a:schemeClr val="tx1">
                     <a:tint val="75000"/>
@@ -2643,7 +3291,7 @@
             <a:fld id="{1D8BD707-D9CF-40AE-B4C6-C98DA3205C09}" type="datetimeFigureOut">
               <a:rPr lang="en-US" smtClean="0"/>
               <a:pPr/>
-              <a:t>8/7/2015</a:t>
+              <a:t>8/7/15</a:t>
             </a:fld>
             <a:endParaRPr lang="en-US"/>
           </a:p>
@@ -2692,7 +3340,78 @@
           </a:p>
         </p:txBody>
       </p:sp>
+      <p:sp>
+        <p:nvSpPr>
+          <p:cNvPr id="7" name="Rectangle 6"/>
+          <p:cNvSpPr/>
+          <p:nvPr/>
+        </p:nvSpPr>
+        <p:spPr>
+          <a:xfrm>
+            <a:off x="9036498" y="0"/>
+            <a:ext cx="107503" cy="6858000"/>
+          </a:xfrm>
+          <a:prstGeom prst="rect">
+            <a:avLst/>
+          </a:prstGeom>
+          <a:gradFill>
+            <a:gsLst>
+              <a:gs pos="0">
+                <a:schemeClr val="accent6">
+                  <a:lumMod val="75000"/>
+                </a:schemeClr>
+              </a:gs>
+              <a:gs pos="50000">
+                <a:schemeClr val="accent6">
+                  <a:lumMod val="60000"/>
+                  <a:lumOff val="40000"/>
+                </a:schemeClr>
+              </a:gs>
+              <a:gs pos="100000">
+                <a:schemeClr val="accent6">
+                  <a:lumMod val="40000"/>
+                  <a:lumOff val="60000"/>
+                  <a:alpha val="69000"/>
+                </a:schemeClr>
+              </a:gs>
+            </a:gsLst>
+            <a:lin ang="5400000" scaled="0"/>
+          </a:gradFill>
+          <a:ln>
+            <a:noFill/>
+          </a:ln>
+        </p:spPr>
+        <p:style>
+          <a:lnRef idx="2">
+            <a:schemeClr val="accent1">
+              <a:shade val="50000"/>
+            </a:schemeClr>
+          </a:lnRef>
+          <a:fillRef idx="1">
+            <a:schemeClr val="accent1"/>
+          </a:fillRef>
+          <a:effectRef idx="0">
+            <a:schemeClr val="accent1"/>
+          </a:effectRef>
+          <a:fontRef idx="minor">
+            <a:schemeClr val="lt1"/>
+          </a:fontRef>
+        </p:style>
+        <p:txBody>
+          <a:bodyPr rtlCol="0" anchor="ctr"/>
+          <a:lstStyle/>
+          <a:p>
+            <a:pPr algn="ctr"/>
+            <a:endParaRPr lang="en-IN" sz="1167"/>
+          </a:p>
+        </p:txBody>
+      </p:sp>
     </p:spTree>
+    <p:extLst>
+      <p:ext uri="{BB962C8B-B14F-4D97-AF65-F5344CB8AC3E}">
+        <p14:creationId xmlns:p14="http://schemas.microsoft.com/office/powerpoint/2010/main" val="1565306616"/>
+      </p:ext>
+    </p:extLst>
   </p:cSld>
   <p:clrMapOvr>
     <a:masterClrMapping/>
@@ -2736,7 +3455,7 @@
               <a:rPr lang="en-US" smtClean="0"/>
               <a:t>Click to edit Master title style</a:t>
             </a:r>
-            <a:endParaRPr lang="en-US"/>
+            <a:endParaRPr lang="en-IN"/>
           </a:p>
         </p:txBody>
       </p:sp>
@@ -2752,7 +3471,7 @@
         </p:nvSpPr>
         <p:spPr>
           <a:xfrm>
-            <a:off x="457200" y="1600200"/>
+            <a:off x="457200" y="1600201"/>
             <a:ext cx="4038600" cy="4525963"/>
           </a:xfrm>
         </p:spPr>
@@ -2760,31 +3479,31 @@
           <a:bodyPr/>
           <a:lstStyle>
             <a:lvl1pPr>
-              <a:defRPr sz="2800"/>
+              <a:defRPr sz="2333"/>
             </a:lvl1pPr>
             <a:lvl2pPr>
-              <a:defRPr sz="2400"/>
+              <a:defRPr sz="2000"/>
             </a:lvl2pPr>
             <a:lvl3pPr>
-              <a:defRPr sz="2000"/>
+              <a:defRPr sz="1667"/>
             </a:lvl3pPr>
             <a:lvl4pPr>
-              <a:defRPr sz="1800"/>
+              <a:defRPr sz="1500"/>
             </a:lvl4pPr>
             <a:lvl5pPr>
-              <a:defRPr sz="1800"/>
+              <a:defRPr sz="1500"/>
             </a:lvl5pPr>
             <a:lvl6pPr>
-              <a:defRPr sz="1800"/>
+              <a:defRPr sz="1500"/>
             </a:lvl6pPr>
             <a:lvl7pPr>
-              <a:defRPr sz="1800"/>
+              <a:defRPr sz="1500"/>
             </a:lvl7pPr>
             <a:lvl8pPr>
-              <a:defRPr sz="1800"/>
+              <a:defRPr sz="1500"/>
             </a:lvl8pPr>
             <a:lvl9pPr>
-              <a:defRPr sz="1800"/>
+              <a:defRPr sz="1500"/>
             </a:lvl9pPr>
           </a:lstStyle>
           <a:p>
@@ -2821,7 +3540,7 @@
               <a:rPr lang="en-US" smtClean="0"/>
               <a:t>Fifth level</a:t>
             </a:r>
-            <a:endParaRPr lang="en-US"/>
+            <a:endParaRPr lang="en-IN"/>
           </a:p>
         </p:txBody>
       </p:sp>
@@ -2837,7 +3556,7 @@
         </p:nvSpPr>
         <p:spPr>
           <a:xfrm>
-            <a:off x="4648200" y="1600200"/>
+            <a:off x="4648200" y="1600201"/>
             <a:ext cx="4038600" cy="4525963"/>
           </a:xfrm>
         </p:spPr>
@@ -2845,31 +3564,31 @@
           <a:bodyPr/>
           <a:lstStyle>
             <a:lvl1pPr>
-              <a:defRPr sz="2800"/>
+              <a:defRPr sz="2333"/>
             </a:lvl1pPr>
             <a:lvl2pPr>
-              <a:defRPr sz="2400"/>
+              <a:defRPr sz="2000"/>
             </a:lvl2pPr>
             <a:lvl3pPr>
-              <a:defRPr sz="2000"/>
+              <a:defRPr sz="1667"/>
             </a:lvl3pPr>
             <a:lvl4pPr>
-              <a:defRPr sz="1800"/>
+              <a:defRPr sz="1500"/>
             </a:lvl4pPr>
             <a:lvl5pPr>
-              <a:defRPr sz="1800"/>
+              <a:defRPr sz="1500"/>
             </a:lvl5pPr>
             <a:lvl6pPr>
-              <a:defRPr sz="1800"/>
+              <a:defRPr sz="1500"/>
             </a:lvl6pPr>
             <a:lvl7pPr>
-              <a:defRPr sz="1800"/>
+              <a:defRPr sz="1500"/>
             </a:lvl7pPr>
             <a:lvl8pPr>
-              <a:defRPr sz="1800"/>
+              <a:defRPr sz="1500"/>
             </a:lvl8pPr>
             <a:lvl9pPr>
-              <a:defRPr sz="1800"/>
+              <a:defRPr sz="1500"/>
             </a:lvl9pPr>
           </a:lstStyle>
           <a:p>
@@ -2906,7 +3625,7 @@
               <a:rPr lang="en-US" smtClean="0"/>
               <a:t>Fifth level</a:t>
             </a:r>
-            <a:endParaRPr lang="en-US"/>
+            <a:endParaRPr lang="en-IN"/>
           </a:p>
         </p:txBody>
       </p:sp>
@@ -2928,7 +3647,7 @@
             <a:fld id="{1D8BD707-D9CF-40AE-B4C6-C98DA3205C09}" type="datetimeFigureOut">
               <a:rPr lang="en-US" smtClean="0"/>
               <a:pPr/>
-              <a:t>8/7/2015</a:t>
+              <a:t>8/7/15</a:t>
             </a:fld>
             <a:endParaRPr lang="en-US"/>
           </a:p>
@@ -2977,7 +3696,145 @@
           </a:p>
         </p:txBody>
       </p:sp>
+      <p:sp>
+        <p:nvSpPr>
+          <p:cNvPr id="8" name="Rectangle 7"/>
+          <p:cNvSpPr/>
+          <p:nvPr/>
+        </p:nvSpPr>
+        <p:spPr>
+          <a:xfrm>
+            <a:off x="9036498" y="0"/>
+            <a:ext cx="107503" cy="6858000"/>
+          </a:xfrm>
+          <a:prstGeom prst="rect">
+            <a:avLst/>
+          </a:prstGeom>
+          <a:gradFill>
+            <a:gsLst>
+              <a:gs pos="0">
+                <a:schemeClr val="accent6">
+                  <a:lumMod val="75000"/>
+                </a:schemeClr>
+              </a:gs>
+              <a:gs pos="50000">
+                <a:schemeClr val="accent6">
+                  <a:lumMod val="60000"/>
+                  <a:lumOff val="40000"/>
+                </a:schemeClr>
+              </a:gs>
+              <a:gs pos="100000">
+                <a:schemeClr val="accent6">
+                  <a:lumMod val="40000"/>
+                  <a:lumOff val="60000"/>
+                  <a:alpha val="69000"/>
+                </a:schemeClr>
+              </a:gs>
+            </a:gsLst>
+            <a:lin ang="5400000" scaled="0"/>
+          </a:gradFill>
+          <a:ln>
+            <a:noFill/>
+          </a:ln>
+        </p:spPr>
+        <p:style>
+          <a:lnRef idx="2">
+            <a:schemeClr val="accent1">
+              <a:shade val="50000"/>
+            </a:schemeClr>
+          </a:lnRef>
+          <a:fillRef idx="1">
+            <a:schemeClr val="accent1"/>
+          </a:fillRef>
+          <a:effectRef idx="0">
+            <a:schemeClr val="accent1"/>
+          </a:effectRef>
+          <a:fontRef idx="minor">
+            <a:schemeClr val="lt1"/>
+          </a:fontRef>
+        </p:style>
+        <p:txBody>
+          <a:bodyPr rtlCol="0" anchor="ctr"/>
+          <a:lstStyle/>
+          <a:p>
+            <a:pPr algn="ctr"/>
+            <a:endParaRPr lang="en-IN" sz="1167"/>
+          </a:p>
+        </p:txBody>
+      </p:sp>
+      <p:sp>
+        <p:nvSpPr>
+          <p:cNvPr id="9" name="Rectangle 8"/>
+          <p:cNvSpPr/>
+          <p:nvPr/>
+        </p:nvSpPr>
+        <p:spPr>
+          <a:xfrm rot="10800000" flipV="1">
+            <a:off x="107505" y="702924"/>
+            <a:ext cx="8928991" cy="61780"/>
+          </a:xfrm>
+          <a:prstGeom prst="rect">
+            <a:avLst/>
+          </a:prstGeom>
+          <a:gradFill flip="none" rotWithShape="1">
+            <a:gsLst>
+              <a:gs pos="0">
+                <a:schemeClr val="accent6">
+                  <a:lumMod val="75000"/>
+                </a:schemeClr>
+              </a:gs>
+              <a:gs pos="50000">
+                <a:schemeClr val="accent6">
+                  <a:lumMod val="60000"/>
+                  <a:lumOff val="40000"/>
+                </a:schemeClr>
+              </a:gs>
+              <a:gs pos="100000">
+                <a:schemeClr val="accent6">
+                  <a:lumMod val="40000"/>
+                  <a:lumOff val="60000"/>
+                  <a:alpha val="0"/>
+                </a:schemeClr>
+              </a:gs>
+            </a:gsLst>
+            <a:lin ang="0" scaled="1"/>
+            <a:tileRect/>
+          </a:gradFill>
+          <a:ln>
+            <a:noFill/>
+          </a:ln>
+        </p:spPr>
+        <p:style>
+          <a:lnRef idx="2">
+            <a:schemeClr val="accent1">
+              <a:shade val="50000"/>
+            </a:schemeClr>
+          </a:lnRef>
+          <a:fillRef idx="1">
+            <a:schemeClr val="accent1"/>
+          </a:fillRef>
+          <a:effectRef idx="0">
+            <a:schemeClr val="accent1"/>
+          </a:effectRef>
+          <a:fontRef idx="minor">
+            <a:schemeClr val="lt1"/>
+          </a:fontRef>
+        </p:style>
+        <p:txBody>
+          <a:bodyPr rtlCol="0" anchor="ctr"/>
+          <a:lstStyle/>
+          <a:p>
+            <a:pPr algn="ctr"/>
+            <a:endParaRPr lang="en-IN" sz="1800"/>
+          </a:p>
+        </p:txBody>
+      </p:sp>
     </p:spTree>
+    <p:extLst>
+      <p:ext uri="{BB962C8B-B14F-4D97-AF65-F5344CB8AC3E}">
+        <p14:creationId xmlns:p14="http://schemas.microsoft.com/office/powerpoint/2010/main" val="2054306629"/>
+      </p:ext>
+    </p:extLst>
   </p:cSld>
   <p:clrMapOvr>
     <a:masterClrMapping/>
@@ -3025,7 +3882,7 @@
               <a:rPr lang="en-US" smtClean="0"/>
               <a:t>Click to edit Master title style</a:t>
             </a:r>
-            <a:endParaRPr lang="en-US"/>
+            <a:endParaRPr lang="en-IN"/>
           </a:p>
         </p:txBody>
       </p:sp>
@@ -3041,7 +3898,7 @@
         </p:nvSpPr>
         <p:spPr>
           <a:xfrm>
-            <a:off x="457200" y="1535113"/>
+            <a:off x="457200" y="1535114"/>
             <a:ext cx="4040188" cy="639762"/>
           </a:xfrm>
         </p:spPr>
@@ -3050,39 +3907,39 @@
           <a:lstStyle>
             <a:lvl1pPr marL="0" indent="0">
               <a:buNone/>
-              <a:defRPr sz="2400" b="1"/>
+              <a:defRPr sz="2000" b="1"/>
             </a:lvl1pPr>
-            <a:lvl2pPr marL="457200" indent="0">
+            <a:lvl2pPr marL="380985" indent="0">
               <a:buNone/>
-              <a:defRPr sz="2000" b="1"/>
+              <a:defRPr sz="1667" b="1"/>
             </a:lvl2pPr>
-            <a:lvl3pPr marL="914400" indent="0">
+            <a:lvl3pPr marL="761970" indent="0">
               <a:buNone/>
-              <a:defRPr sz="1800" b="1"/>
+              <a:defRPr sz="1500" b="1"/>
             </a:lvl3pPr>
-            <a:lvl4pPr marL="1371600" indent="0">
+            <a:lvl4pPr marL="1142954" indent="0">
               <a:buNone/>
-              <a:defRPr sz="1600" b="1"/>
+              <a:defRPr sz="1333" b="1"/>
             </a:lvl4pPr>
-            <a:lvl5pPr marL="1828800" indent="0">
+            <a:lvl5pPr marL="1523939" indent="0">
               <a:buNone/>
-              <a:defRPr sz="1600" b="1"/>
+              <a:defRPr sz="1333" b="1"/>
             </a:lvl5pPr>
-            <a:lvl6pPr marL="2286000" indent="0">
+            <a:lvl6pPr marL="1904924" indent="0">
               <a:buNone/>
-              <a:defRPr sz="1600" b="1"/>
+              <a:defRPr sz="1333" b="1"/>
             </a:lvl6pPr>
-            <a:lvl7pPr marL="2743200" indent="0">
+            <a:lvl7pPr marL="2285909" indent="0">
               <a:buNone/>
-              <a:defRPr sz="1600" b="1"/>
+              <a:defRPr sz="1333" b="1"/>
             </a:lvl7pPr>
-            <a:lvl8pPr marL="3200400" indent="0">
+            <a:lvl8pPr marL="2666893" indent="0">
               <a:buNone/>
-              <a:defRPr sz="1600" b="1"/>
+              <a:defRPr sz="1333" b="1"/>
             </a:lvl8pPr>
-            <a:lvl9pPr marL="3657600" indent="0">
+            <a:lvl9pPr marL="3047878" indent="0">
               <a:buNone/>
-              <a:defRPr sz="1600" b="1"/>
+              <a:defRPr sz="1333" b="1"/>
             </a:lvl9pPr>
           </a:lstStyle>
           <a:p>
@@ -3114,31 +3971,31 @@
           <a:bodyPr/>
           <a:lstStyle>
             <a:lvl1pPr>
-              <a:defRPr sz="2400"/>
+              <a:defRPr sz="2000"/>
             </a:lvl1pPr>
             <a:lvl2pPr>
-              <a:defRPr sz="2000"/>
+              <a:defRPr sz="1667"/>
             </a:lvl2pPr>
             <a:lvl3pPr>
-              <a:defRPr sz="1800"/>
+              <a:defRPr sz="1500"/>
             </a:lvl3pPr>
             <a:lvl4pPr>
-              <a:defRPr sz="1600"/>
+              <a:defRPr sz="1333"/>
             </a:lvl4pPr>
             <a:lvl5pPr>
-              <a:defRPr sz="1600"/>
+              <a:defRPr sz="1333"/>
             </a:lvl5pPr>
             <a:lvl6pPr>
-              <a:defRPr sz="1600"/>
+              <a:defRPr sz="1333"/>
             </a:lvl6pPr>
             <a:lvl7pPr>
-              <a:defRPr sz="1600"/>
+              <a:defRPr sz="1333"/>
             </a:lvl7pPr>
             <a:lvl8pPr>
-              <a:defRPr sz="1600"/>
+              <a:defRPr sz="1333"/>
             </a:lvl8pPr>
             <a:lvl9pPr>
-              <a:defRPr sz="1600"/>
+              <a:defRPr sz="1333"/>
             </a:lvl9pPr>
           </a:lstStyle>
           <a:p>
@@ -3175,7 +4032,7 @@
               <a:rPr lang="en-US" smtClean="0"/>
               <a:t>Fifth level</a:t>
             </a:r>
-            <a:endParaRPr lang="en-US"/>
+            <a:endParaRPr lang="en-IN"/>
           </a:p>
         </p:txBody>
       </p:sp>
@@ -3191,7 +4048,7 @@
         </p:nvSpPr>
         <p:spPr>
           <a:xfrm>
-            <a:off x="4645025" y="1535113"/>
+            <a:off x="4645027" y="1535114"/>
             <a:ext cx="4041775" cy="639762"/>
           </a:xfrm>
         </p:spPr>
@@ -3200,39 +4057,39 @@
           <a:lstStyle>
             <a:lvl1pPr marL="0" indent="0">
               <a:buNone/>
-              <a:defRPr sz="2400" b="1"/>
+              <a:defRPr sz="2000" b="1"/>
             </a:lvl1pPr>
-            <a:lvl2pPr marL="457200" indent="0">
+            <a:lvl2pPr marL="380985" indent="0">
               <a:buNone/>
-              <a:defRPr sz="2000" b="1"/>
+              <a:defRPr sz="1667" b="1"/>
             </a:lvl2pPr>
-            <a:lvl3pPr marL="914400" indent="0">
+            <a:lvl3pPr marL="761970" indent="0">
               <a:buNone/>
-              <a:defRPr sz="1800" b="1"/>
+              <a:defRPr sz="1500" b="1"/>
             </a:lvl3pPr>
-            <a:lvl4pPr marL="1371600" indent="0">
+            <a:lvl4pPr marL="1142954" indent="0">
               <a:buNone/>
-              <a:defRPr sz="1600" b="1"/>
+              <a:defRPr sz="1333" b="1"/>
             </a:lvl4pPr>
-            <a:lvl5pPr marL="1828800" indent="0">
+            <a:lvl5pPr marL="1523939" indent="0">
               <a:buNone/>
-              <a:defRPr sz="1600" b="1"/>
+              <a:defRPr sz="1333" b="1"/>
             </a:lvl5pPr>
-            <a:lvl6pPr marL="2286000" indent="0">
+            <a:lvl6pPr marL="1904924" indent="0">
               <a:buNone/>
-              <a:defRPr sz="1600" b="1"/>
+              <a:defRPr sz="1333" b="1"/>
             </a:lvl6pPr>
-            <a:lvl7pPr marL="2743200" indent="0">
+            <a:lvl7pPr marL="2285909" indent="0">
               <a:buNone/>
-              <a:defRPr sz="1600" b="1"/>
+              <a:defRPr sz="1333" b="1"/>
             </a:lvl7pPr>
-            <a:lvl8pPr marL="3200400" indent="0">
+            <a:lvl8pPr marL="2666893" indent="0">
               <a:buNone/>
-              <a:defRPr sz="1600" b="1"/>
+              <a:defRPr sz="1333" b="1"/>
             </a:lvl8pPr>
-            <a:lvl9pPr marL="3657600" indent="0">
+            <a:lvl9pPr marL="3047878" indent="0">
               <a:buNone/>
-              <a:defRPr sz="1600" b="1"/>
+              <a:defRPr sz="1333" b="1"/>
             </a:lvl9pPr>
           </a:lstStyle>
           <a:p>
@@ -3256,7 +4113,7 @@
         </p:nvSpPr>
         <p:spPr>
           <a:xfrm>
-            <a:off x="4645025" y="2174875"/>
+            <a:off x="4645027" y="2174875"/>
             <a:ext cx="4041775" cy="3951288"/>
           </a:xfrm>
         </p:spPr>
@@ -3264,31 +4121,31 @@
           <a:bodyPr/>
           <a:lstStyle>
             <a:lvl1pPr>
-              <a:defRPr sz="2400"/>
+              <a:defRPr sz="2000"/>
             </a:lvl1pPr>
             <a:lvl2pPr>
-              <a:defRPr sz="2000"/>
+              <a:defRPr sz="1667"/>
             </a:lvl2pPr>
             <a:lvl3pPr>
-              <a:defRPr sz="1800"/>
+              <a:defRPr sz="1500"/>
             </a:lvl3pPr>
             <a:lvl4pPr>
-              <a:defRPr sz="1600"/>
+              <a:defRPr sz="1333"/>
             </a:lvl4pPr>
             <a:lvl5pPr>
-              <a:defRPr sz="1600"/>
+              <a:defRPr sz="1333"/>
             </a:lvl5pPr>
             <a:lvl6pPr>
-              <a:defRPr sz="1600"/>
+              <a:defRPr sz="1333"/>
             </a:lvl6pPr>
             <a:lvl7pPr>
-              <a:defRPr sz="1600"/>
+              <a:defRPr sz="1333"/>
             </a:lvl7pPr>
             <a:lvl8pPr>
-              <a:defRPr sz="1600"/>
+              <a:defRPr sz="1333"/>
             </a:lvl8pPr>
             <a:lvl9pPr>
-              <a:defRPr sz="1600"/>
+              <a:defRPr sz="1333"/>
             </a:lvl9pPr>
           </a:lstStyle>
           <a:p>
@@ -3325,7 +4182,7 @@
               <a:rPr lang="en-US" smtClean="0"/>
               <a:t>Fifth level</a:t>
             </a:r>
-            <a:endParaRPr lang="en-US"/>
+            <a:endParaRPr lang="en-IN"/>
           </a:p>
         </p:txBody>
       </p:sp>
@@ -3347,7 +4204,7 @@
             <a:fld id="{1D8BD707-D9CF-40AE-B4C6-C98DA3205C09}" type="datetimeFigureOut">
               <a:rPr lang="en-US" smtClean="0"/>
               <a:pPr/>
-              <a:t>8/7/2015</a:t>
+              <a:t>8/7/15</a:t>
             </a:fld>
             <a:endParaRPr lang="en-US"/>
           </a:p>
@@ -3396,7 +4253,145 @@
           </a:p>
         </p:txBody>
       </p:sp>
+      <p:sp>
+        <p:nvSpPr>
+          <p:cNvPr id="10" name="Rectangle 9"/>
+          <p:cNvSpPr/>
+          <p:nvPr/>
+        </p:nvSpPr>
+        <p:spPr>
+          <a:xfrm>
+            <a:off x="9036498" y="0"/>
+            <a:ext cx="107503" cy="6858000"/>
+          </a:xfrm>
+          <a:prstGeom prst="rect">
+            <a:avLst/>
+          </a:prstGeom>
+          <a:gradFill>
+            <a:gsLst>
+              <a:gs pos="0">
+                <a:schemeClr val="accent6">
+                  <a:lumMod val="75000"/>
+                </a:schemeClr>
+              </a:gs>
+              <a:gs pos="50000">
+                <a:schemeClr val="accent6">
+                  <a:lumMod val="60000"/>
+                  <a:lumOff val="40000"/>
+                </a:schemeClr>
+              </a:gs>
+              <a:gs pos="100000">
+                <a:schemeClr val="accent6">
+                  <a:lumMod val="40000"/>
+                  <a:lumOff val="60000"/>
+                  <a:alpha val="69000"/>
+                </a:schemeClr>
+              </a:gs>
+            </a:gsLst>
+            <a:lin ang="5400000" scaled="0"/>
+          </a:gradFill>
+          <a:ln>
+            <a:noFill/>
+          </a:ln>
+        </p:spPr>
+        <p:style>
+          <a:lnRef idx="2">
+            <a:schemeClr val="accent1">
+              <a:shade val="50000"/>
+            </a:schemeClr>
+          </a:lnRef>
+          <a:fillRef idx="1">
+            <a:schemeClr val="accent1"/>
+          </a:fillRef>
+          <a:effectRef idx="0">
+            <a:schemeClr val="accent1"/>
+          </a:effectRef>
+          <a:fontRef idx="minor">
+            <a:schemeClr val="lt1"/>
+          </a:fontRef>
+        </p:style>
+        <p:txBody>
+          <a:bodyPr rtlCol="0" anchor="ctr"/>
+          <a:lstStyle/>
+          <a:p>
+            <a:pPr algn="ctr"/>
+            <a:endParaRPr lang="en-IN" sz="1167"/>
+          </a:p>
+        </p:txBody>
+      </p:sp>
+      <p:sp>
+        <p:nvSpPr>
+          <p:cNvPr id="11" name="Rectangle 10"/>
+          <p:cNvSpPr/>
+          <p:nvPr/>
+        </p:nvSpPr>
+        <p:spPr>
+          <a:xfrm rot="10800000" flipV="1">
+            <a:off x="107505" y="702924"/>
+            <a:ext cx="8928991" cy="61780"/>
+          </a:xfrm>
+          <a:prstGeom prst="rect">
+            <a:avLst/>
+          </a:prstGeom>
+          <a:gradFill flip="none" rotWithShape="1">
+            <a:gsLst>
+              <a:gs pos="0">
+                <a:schemeClr val="accent6">
+                  <a:lumMod val="75000"/>
+                </a:schemeClr>
+              </a:gs>
+              <a:gs pos="50000">
+                <a:schemeClr val="accent6">
+                  <a:lumMod val="60000"/>
+                  <a:lumOff val="40000"/>
+                </a:schemeClr>
+              </a:gs>
+              <a:gs pos="100000">
+                <a:schemeClr val="accent6">
+                  <a:lumMod val="40000"/>
+                  <a:lumOff val="60000"/>
+                  <a:alpha val="0"/>
+                </a:schemeClr>
+              </a:gs>
+            </a:gsLst>
+            <a:lin ang="0" scaled="1"/>
+            <a:tileRect/>
+          </a:gradFill>
+          <a:ln>
+            <a:noFill/>
+          </a:ln>
+        </p:spPr>
+        <p:style>
+          <a:lnRef idx="2">
+            <a:schemeClr val="accent1">
+              <a:shade val="50000"/>
+            </a:schemeClr>
+          </a:lnRef>
+          <a:fillRef idx="1">
+            <a:schemeClr val="accent1"/>
+          </a:fillRef>
+          <a:effectRef idx="0">
+            <a:schemeClr val="accent1"/>
+          </a:effectRef>
+          <a:fontRef idx="minor">
+            <a:schemeClr val="lt1"/>
+          </a:fontRef>
+        </p:style>
+        <p:txBody>
+          <a:bodyPr rtlCol="0" anchor="ctr"/>
+          <a:lstStyle/>
+          <a:p>
+            <a:pPr algn="ctr"/>
+            <a:endParaRPr lang="en-IN" sz="1800"/>
+          </a:p>
+        </p:txBody>
+      </p:sp>
     </p:spTree>
+    <p:extLst>
+      <p:ext uri="{BB962C8B-B14F-4D97-AF65-F5344CB8AC3E}">
+        <p14:creationId xmlns:p14="http://schemas.microsoft.com/office/powerpoint/2010/main" val="546389569"/>
+      </p:ext>
+    </p:extLst>
   </p:cSld>
   <p:clrMapOvr>
     <a:masterClrMapping/>
@@ -3440,7 +4435,7 @@
               <a:rPr lang="en-US" smtClean="0"/>
               <a:t>Click to edit Master title style</a:t>
             </a:r>
-            <a:endParaRPr lang="en-US"/>
+            <a:endParaRPr lang="en-IN"/>
           </a:p>
         </p:txBody>
       </p:sp>
@@ -3462,7 +4457,7 @@
             <a:fld id="{1D8BD707-D9CF-40AE-B4C6-C98DA3205C09}" type="datetimeFigureOut">
               <a:rPr lang="en-US" smtClean="0"/>
               <a:pPr/>
-              <a:t>8/7/2015</a:t>
+              <a:t>8/7/15</a:t>
             </a:fld>
             <a:endParaRPr lang="en-US"/>
           </a:p>
@@ -3511,7 +4506,145 @@
           </a:p>
         </p:txBody>
       </p:sp>
+      <p:sp>
+        <p:nvSpPr>
+          <p:cNvPr id="6" name="Rectangle 5"/>
+          <p:cNvSpPr/>
+          <p:nvPr/>
+        </p:nvSpPr>
+        <p:spPr>
+          <a:xfrm>
+            <a:off x="9036498" y="0"/>
+            <a:ext cx="107503" cy="6858000"/>
+          </a:xfrm>
+          <a:prstGeom prst="rect">
+            <a:avLst/>
+          </a:prstGeom>
+          <a:gradFill>
+            <a:gsLst>
+              <a:gs pos="0">
+                <a:schemeClr val="accent6">
+                  <a:lumMod val="75000"/>
+                </a:schemeClr>
+              </a:gs>
+              <a:gs pos="50000">
+                <a:schemeClr val="accent6">
+                  <a:lumMod val="60000"/>
+                  <a:lumOff val="40000"/>
+                </a:schemeClr>
+              </a:gs>
+              <a:gs pos="100000">
+                <a:schemeClr val="accent6">
+                  <a:lumMod val="40000"/>
+                  <a:lumOff val="60000"/>
+                  <a:alpha val="69000"/>
+                </a:schemeClr>
+              </a:gs>
+            </a:gsLst>
+            <a:lin ang="5400000" scaled="0"/>
+          </a:gradFill>
+          <a:ln>
+            <a:noFill/>
+          </a:ln>
+        </p:spPr>
+        <p:style>
+          <a:lnRef idx="2">
+            <a:schemeClr val="accent1">
+              <a:shade val="50000"/>
+            </a:schemeClr>
+          </a:lnRef>
+          <a:fillRef idx="1">
+            <a:schemeClr val="accent1"/>
+          </a:fillRef>
+          <a:effectRef idx="0">
+            <a:schemeClr val="accent1"/>
+          </a:effectRef>
+          <a:fontRef idx="minor">
+            <a:schemeClr val="lt1"/>
+          </a:fontRef>
+        </p:style>
+        <p:txBody>
+          <a:bodyPr rtlCol="0" anchor="ctr"/>
+          <a:lstStyle/>
+          <a:p>
+            <a:pPr algn="ctr"/>
+            <a:endParaRPr lang="en-IN" sz="1167"/>
+          </a:p>
+        </p:txBody>
+      </p:sp>
+      <p:sp>
+        <p:nvSpPr>
+          <p:cNvPr id="7" name="Rectangle 6"/>
+          <p:cNvSpPr/>
+          <p:nvPr/>
+        </p:nvSpPr>
+        <p:spPr>
+          <a:xfrm rot="10800000" flipV="1">
+            <a:off x="107505" y="702924"/>
+            <a:ext cx="8928991" cy="61780"/>
+          </a:xfrm>
+          <a:prstGeom prst="rect">
+            <a:avLst/>
+          </a:prstGeom>
+          <a:gradFill flip="none" rotWithShape="1">
+            <a:gsLst>
+              <a:gs pos="0">
+                <a:schemeClr val="accent6">
+                  <a:lumMod val="75000"/>
+                </a:schemeClr>
+              </a:gs>
+              <a:gs pos="50000">
+                <a:schemeClr val="accent6">
+                  <a:lumMod val="60000"/>
+                  <a:lumOff val="40000"/>
+                </a:schemeClr>
+              </a:gs>
+              <a:gs pos="100000">
+                <a:schemeClr val="accent6">
+                  <a:lumMod val="40000"/>
+                  <a:lumOff val="60000"/>
+                  <a:alpha val="0"/>
+                </a:schemeClr>
+              </a:gs>
+            </a:gsLst>
+            <a:lin ang="0" scaled="1"/>
+            <a:tileRect/>
+          </a:gradFill>
+          <a:ln>
+            <a:noFill/>
+          </a:ln>
+        </p:spPr>
+        <p:style>
+          <a:lnRef idx="2">
+            <a:schemeClr val="accent1">
+              <a:shade val="50000"/>
+            </a:schemeClr>
+          </a:lnRef>
+          <a:fillRef idx="1">
+            <a:schemeClr val="accent1"/>
+          </a:fillRef>
+          <a:effectRef idx="0">
+            <a:schemeClr val="accent1"/>
+          </a:effectRef>
+          <a:fontRef idx="minor">
+            <a:schemeClr val="lt1"/>
+          </a:fontRef>
+        </p:style>
+        <p:txBody>
+          <a:bodyPr rtlCol="0" anchor="ctr"/>
+          <a:lstStyle/>
+          <a:p>
+            <a:pPr algn="ctr"/>
+            <a:endParaRPr lang="en-IN" sz="1800"/>
+          </a:p>
+        </p:txBody>
+      </p:sp>
     </p:spTree>
+    <p:extLst>
+      <p:ext uri="{BB962C8B-B14F-4D97-AF65-F5344CB8AC3E}">
+        <p14:creationId xmlns:p14="http://schemas.microsoft.com/office/powerpoint/2010/main" val="234799752"/>
+      </p:ext>
+    </p:extLst>
   </p:cSld>
   <p:clrMapOvr>
     <a:masterClrMapping/>
@@ -3554,7 +4687,7 @@
             <a:fld id="{1D8BD707-D9CF-40AE-B4C6-C98DA3205C09}" type="datetimeFigureOut">
               <a:rPr lang="en-US" smtClean="0"/>
               <a:pPr/>
-              <a:t>8/7/2015</a:t>
+              <a:t>8/7/15</a:t>
             </a:fld>
             <a:endParaRPr lang="en-US"/>
           </a:p>
@@ -3603,7 +4736,145 @@
           </a:p>
         </p:txBody>
       </p:sp>
+      <p:sp>
+        <p:nvSpPr>
+          <p:cNvPr id="5" name="Rectangle 4"/>
+          <p:cNvSpPr/>
+          <p:nvPr/>
+        </p:nvSpPr>
+        <p:spPr>
+          <a:xfrm>
+            <a:off x="9036498" y="0"/>
+            <a:ext cx="107503" cy="6858000"/>
+          </a:xfrm>
+          <a:prstGeom prst="rect">
+            <a:avLst/>
+          </a:prstGeom>
+          <a:gradFill>
+            <a:gsLst>
+              <a:gs pos="0">
+                <a:schemeClr val="accent6">
+                  <a:lumMod val="75000"/>
+                </a:schemeClr>
+              </a:gs>
+              <a:gs pos="50000">
+                <a:schemeClr val="accent6">
+                  <a:lumMod val="60000"/>
+                  <a:lumOff val="40000"/>
+                </a:schemeClr>
+              </a:gs>
+              <a:gs pos="100000">
+                <a:schemeClr val="accent6">
+                  <a:lumMod val="40000"/>
+                  <a:lumOff val="60000"/>
+                  <a:alpha val="69000"/>
+                </a:schemeClr>
+              </a:gs>
+            </a:gsLst>
+            <a:lin ang="5400000" scaled="0"/>
+          </a:gradFill>
+          <a:ln>
+            <a:noFill/>
+          </a:ln>
+        </p:spPr>
+        <p:style>
+          <a:lnRef idx="2">
+            <a:schemeClr val="accent1">
+              <a:shade val="50000"/>
+            </a:schemeClr>
+          </a:lnRef>
+          <a:fillRef idx="1">
+            <a:schemeClr val="accent1"/>
+          </a:fillRef>
+          <a:effectRef idx="0">
+            <a:schemeClr val="accent1"/>
+          </a:effectRef>
+          <a:fontRef idx="minor">
+            <a:schemeClr val="lt1"/>
+          </a:fontRef>
+        </p:style>
+        <p:txBody>
+          <a:bodyPr rtlCol="0" anchor="ctr"/>
+          <a:lstStyle/>
+          <a:p>
+            <a:pPr algn="ctr"/>
+            <a:endParaRPr lang="en-IN" sz="1167"/>
+          </a:p>
+        </p:txBody>
+      </p:sp>
+      <p:sp>
+        <p:nvSpPr>
+          <p:cNvPr id="6" name="Rectangle 5"/>
+          <p:cNvSpPr/>
+          <p:nvPr/>
+        </p:nvSpPr>
+        <p:spPr>
+          <a:xfrm rot="10800000" flipV="1">
+            <a:off x="107505" y="702924"/>
+            <a:ext cx="8928991" cy="61780"/>
+          </a:xfrm>
+          <a:prstGeom prst="rect">
+            <a:avLst/>
+          </a:prstGeom>
+          <a:gradFill flip="none" rotWithShape="1">
+            <a:gsLst>
+              <a:gs pos="0">
+                <a:schemeClr val="accent6">
+                  <a:lumMod val="75000"/>
+                </a:schemeClr>
+              </a:gs>
+              <a:gs pos="50000">
+                <a:schemeClr val="accent6">
+                  <a:lumMod val="60000"/>
+                  <a:lumOff val="40000"/>
+                </a:schemeClr>
+              </a:gs>
+              <a:gs pos="100000">
+                <a:schemeClr val="accent6">
+                  <a:lumMod val="40000"/>
+                  <a:lumOff val="60000"/>
+                  <a:alpha val="0"/>
+                </a:schemeClr>
+              </a:gs>
+            </a:gsLst>
+            <a:lin ang="0" scaled="1"/>
+            <a:tileRect/>
+          </a:gradFill>
+          <a:ln>
+            <a:noFill/>
+          </a:ln>
+        </p:spPr>
+        <p:style>
+          <a:lnRef idx="2">
+            <a:schemeClr val="accent1">
+              <a:shade val="50000"/>
+            </a:schemeClr>
+          </a:lnRef>
+          <a:fillRef idx="1">
+            <a:schemeClr val="accent1"/>
+          </a:fillRef>
+          <a:effectRef idx="0">
+            <a:schemeClr val="accent1"/>
+          </a:effectRef>
+          <a:fontRef idx="minor">
+            <a:schemeClr val="lt1"/>
+          </a:fontRef>
+        </p:style>
+        <p:txBody>
+          <a:bodyPr rtlCol="0" anchor="ctr"/>
+          <a:lstStyle/>
+          <a:p>
+            <a:pPr algn="ctr"/>
+            <a:endParaRPr lang="en-IN" sz="1800"/>
+          </a:p>
+        </p:txBody>
+      </p:sp>
     </p:spTree>
+    <p:extLst>
+      <p:ext uri="{BB962C8B-B14F-4D97-AF65-F5344CB8AC3E}">
+        <p14:creationId xmlns:p14="http://schemas.microsoft.com/office/powerpoint/2010/main" val="1498387409"/>
+      </p:ext>
+    </p:extLst>
   </p:cSld>
   <p:clrMapOvr>
     <a:masterClrMapping/>
@@ -3640,7 +4911,7 @@
         </p:nvSpPr>
         <p:spPr>
           <a:xfrm>
-            <a:off x="457200" y="273050"/>
+            <a:off x="457201" y="273051"/>
             <a:ext cx="3008313" cy="1162050"/>
           </a:xfrm>
         </p:spPr>
@@ -3648,7 +4919,7 @@
           <a:bodyPr anchor="b"/>
           <a:lstStyle>
             <a:lvl1pPr algn="l">
-              <a:defRPr sz="2000" b="1"/>
+              <a:defRPr sz="1667" b="1"/>
             </a:lvl1pPr>
           </a:lstStyle>
           <a:p>
@@ -3656,7 +4927,7 @@
               <a:rPr lang="en-US" smtClean="0"/>
               <a:t>Click to edit Master title style</a:t>
             </a:r>
-            <a:endParaRPr lang="en-US"/>
+            <a:endParaRPr lang="en-IN"/>
           </a:p>
         </p:txBody>
       </p:sp>
@@ -3672,7 +4943,7 @@
         </p:nvSpPr>
         <p:spPr>
           <a:xfrm>
-            <a:off x="3575050" y="273050"/>
+            <a:off x="3575051" y="273052"/>
             <a:ext cx="5111750" cy="5853113"/>
           </a:xfrm>
         </p:spPr>
@@ -3680,31 +4951,31 @@
           <a:bodyPr/>
           <a:lstStyle>
             <a:lvl1pPr>
-              <a:defRPr sz="3200"/>
+              <a:defRPr sz="2667"/>
             </a:lvl1pPr>
             <a:lvl2pPr>
-              <a:defRPr sz="2800"/>
+              <a:defRPr sz="2333"/>
             </a:lvl2pPr>
             <a:lvl3pPr>
-              <a:defRPr sz="2400"/>
+              <a:defRPr sz="2000"/>
             </a:lvl3pPr>
             <a:lvl4pPr>
-              <a:defRPr sz="2000"/>
+              <a:defRPr sz="1667"/>
             </a:lvl4pPr>
             <a:lvl5pPr>
-              <a:defRPr sz="2000"/>
+              <a:defRPr sz="1667"/>
             </a:lvl5pPr>
             <a:lvl6pPr>
-              <a:defRPr sz="2000"/>
+              <a:defRPr sz="1667"/>
             </a:lvl6pPr>
             <a:lvl7pPr>
-              <a:defRPr sz="2000"/>
+              <a:defRPr sz="1667"/>
             </a:lvl7pPr>
             <a:lvl8pPr>
-              <a:defRPr sz="2000"/>
+              <a:defRPr sz="1667"/>
             </a:lvl8pPr>
             <a:lvl9pPr>
-              <a:defRPr sz="2000"/>
+              <a:defRPr sz="1667"/>
             </a:lvl9pPr>
           </a:lstStyle>
           <a:p>
@@ -3741,7 +5012,7 @@
               <a:rPr lang="en-US" smtClean="0"/>
               <a:t>Fifth level</a:t>
             </a:r>
-            <a:endParaRPr lang="en-US"/>
+            <a:endParaRPr lang="en-IN"/>
           </a:p>
         </p:txBody>
       </p:sp>
@@ -3757,7 +5028,7 @@
         </p:nvSpPr>
         <p:spPr>
           <a:xfrm>
-            <a:off x="457200" y="1435100"/>
+            <a:off x="457201" y="1435102"/>
             <a:ext cx="3008313" cy="4691063"/>
           </a:xfrm>
         </p:spPr>
@@ -3766,39 +5037,39 @@
           <a:lstStyle>
             <a:lvl1pPr marL="0" indent="0">
               <a:buNone/>
-              <a:defRPr sz="1400"/>
+              <a:defRPr sz="1167"/>
             </a:lvl1pPr>
-            <a:lvl2pPr marL="457200" indent="0">
-              <a:buNone/>
-              <a:defRPr sz="1200"/>
-            </a:lvl2pPr>
-            <a:lvl3pPr marL="914400" indent="0">
+            <a:lvl2pPr marL="380985" indent="0">
               <a:buNone/>
               <a:defRPr sz="1000"/>
+            </a:lvl2pPr>
+            <a:lvl3pPr marL="761970" indent="0">
+              <a:buNone/>
+              <a:defRPr sz="833"/>
             </a:lvl3pPr>
-            <a:lvl4pPr marL="1371600" indent="0">
+            <a:lvl4pPr marL="1142954" indent="0">
               <a:buNone/>
-              <a:defRPr sz="900"/>
+              <a:defRPr sz="750"/>
             </a:lvl4pPr>
-            <a:lvl5pPr marL="1828800" indent="0">
+            <a:lvl5pPr marL="1523939" indent="0">
               <a:buNone/>
-              <a:defRPr sz="900"/>
+              <a:defRPr sz="750"/>
             </a:lvl5pPr>
-            <a:lvl6pPr marL="2286000" indent="0">
+            <a:lvl6pPr marL="1904924" indent="0">
               <a:buNone/>
-              <a:defRPr sz="900"/>
+              <a:defRPr sz="750"/>
             </a:lvl6pPr>
-            <a:lvl7pPr marL="2743200" indent="0">
+            <a:lvl7pPr marL="2285909" indent="0">
               <a:buNone/>
-              <a:defRPr sz="900"/>
+              <a:defRPr sz="750"/>
             </a:lvl7pPr>
-            <a:lvl8pPr marL="3200400" indent="0">
+            <a:lvl8pPr marL="2666893" indent="0">
               <a:buNone/>
-              <a:defRPr sz="900"/>
+              <a:defRPr sz="750"/>
             </a:lvl8pPr>
-            <a:lvl9pPr marL="3657600" indent="0">
+            <a:lvl9pPr marL="3047878" indent="0">
               <a:buNone/>
-              <a:defRPr sz="900"/>
+              <a:defRPr sz="750"/>
             </a:lvl9pPr>
           </a:lstStyle>
           <a:p>
@@ -3828,7 +5099,7 @@
             <a:fld id="{1D8BD707-D9CF-40AE-B4C6-C98DA3205C09}" type="datetimeFigureOut">
               <a:rPr lang="en-US" smtClean="0"/>
               <a:pPr/>
-              <a:t>8/7/2015</a:t>
+              <a:t>8/7/15</a:t>
             </a:fld>
             <a:endParaRPr lang="en-US"/>
           </a:p>
@@ -3878,6 +5149,11 @@
         </p:txBody>
       </p:sp>
     </p:spTree>
+    <p:extLst>
+      <p:ext uri="{BB962C8B-B14F-4D97-AF65-F5344CB8AC3E}">
+        <p14:creationId xmlns:p14="http://schemas.microsoft.com/office/powerpoint/2010/main" val="1631596366"/>
+      </p:ext>
+    </p:extLst>
   </p:cSld>
   <p:clrMapOvr>
     <a:masterClrMapping/>
@@ -3922,7 +5198,7 @@
           <a:bodyPr anchor="b"/>
           <a:lstStyle>
             <a:lvl1pPr algn="l">
-              <a:defRPr sz="2000" b="1"/>
+              <a:defRPr sz="1667" b="1"/>
             </a:lvl1pPr>
           </a:lstStyle>
           <a:p>
@@ -3930,7 +5206,7 @@
               <a:rPr lang="en-US" smtClean="0"/>
               <a:t>Click to edit Master title style</a:t>
             </a:r>
-            <a:endParaRPr lang="en-US"/>
+            <a:endParaRPr lang="en-IN"/>
           </a:p>
         </p:txBody>
       </p:sp>
@@ -3955,43 +5231,47 @@
           <a:lstStyle>
             <a:lvl1pPr marL="0" indent="0">
               <a:buNone/>
-              <a:defRPr sz="3200"/>
+              <a:defRPr sz="2667"/>
             </a:lvl1pPr>
-            <a:lvl2pPr marL="457200" indent="0">
+            <a:lvl2pPr marL="380985" indent="0">
               <a:buNone/>
-              <a:defRPr sz="2800"/>
+              <a:defRPr sz="2333"/>
             </a:lvl2pPr>
-            <a:lvl3pPr marL="914400" indent="0">
-              <a:buNone/>
-              <a:defRPr sz="2400"/>
-            </a:lvl3pPr>
-            <a:lvl4pPr marL="1371600" indent="0">
+            <a:lvl3pPr marL="761970" indent="0">
               <a:buNone/>
               <a:defRPr sz="2000"/>
+            </a:lvl3pPr>
+            <a:lvl4pPr marL="1142954" indent="0">
+              <a:buNone/>
+              <a:defRPr sz="1667"/>
             </a:lvl4pPr>
-            <a:lvl5pPr marL="1828800" indent="0">
+            <a:lvl5pPr marL="1523939" indent="0">
               <a:buNone/>
-              <a:defRPr sz="2000"/>
+              <a:defRPr sz="1667"/>
             </a:lvl5pPr>
-            <a:lvl6pPr marL="2286000" indent="0">
+            <a:lvl6pPr marL="1904924" indent="0">
               <a:buNone/>
-              <a:defRPr sz="2000"/>
+              <a:defRPr sz="1667"/>
             </a:lvl6pPr>
-            <a:lvl7pPr marL="2743200" indent="0">
+            <a:lvl7pPr marL="2285909" indent="0">
               <a:buNone/>
-              <a:defRPr sz="2000"/>
+              <a:defRPr sz="1667"/>
             </a:lvl7pPr>
-            <a:lvl8pPr marL="3200400" indent="0">
+            <a:lvl8pPr marL="2666893" indent="0">
               <a:buNone/>
-              <a:defRPr sz="2000"/>
+              <a:defRPr sz="1667"/>
             </a:lvl8pPr>
-            <a:lvl9pPr marL="3657600" indent="0">
+            <a:lvl9pPr marL="3047878" indent="0">
               <a:buNone/>
-              <a:defRPr sz="2000"/>
+              <a:defRPr sz="1667"/>
             </a:lvl9pPr>
           </a:lstStyle>
           <a:p>
-            <a:endParaRPr lang="en-US"/>
+            <a:r>
+              <a:rPr lang="en-US" smtClean="0"/>
+              <a:t>Drag picture to placeholder or click icon to add</a:t>
+            </a:r>
+            <a:endParaRPr lang="en-IN"/>
           </a:p>
         </p:txBody>
       </p:sp>
@@ -4016,39 +5296,39 @@
           <a:lstStyle>
             <a:lvl1pPr marL="0" indent="0">
               <a:buNone/>
-              <a:defRPr sz="1400"/>
+              <a:defRPr sz="1167"/>
             </a:lvl1pPr>
-            <a:lvl2pPr marL="457200" indent="0">
-              <a:buNone/>
-              <a:defRPr sz="1200"/>
-            </a:lvl2pPr>
-            <a:lvl3pPr marL="914400" indent="0">
+            <a:lvl2pPr marL="380985" indent="0">
               <a:buNone/>
               <a:defRPr sz="1000"/>
+            </a:lvl2pPr>
+            <a:lvl3pPr marL="761970" indent="0">
+              <a:buNone/>
+              <a:defRPr sz="833"/>
             </a:lvl3pPr>
-            <a:lvl4pPr marL="1371600" indent="0">
+            <a:lvl4pPr marL="1142954" indent="0">
               <a:buNone/>
-              <a:defRPr sz="900"/>
+              <a:defRPr sz="750"/>
             </a:lvl4pPr>
-            <a:lvl5pPr marL="1828800" indent="0">
+            <a:lvl5pPr marL="1523939" indent="0">
               <a:buNone/>
-              <a:defRPr sz="900"/>
+              <a:defRPr sz="750"/>
             </a:lvl5pPr>
-            <a:lvl6pPr marL="2286000" indent="0">
+            <a:lvl6pPr marL="1904924" indent="0">
               <a:buNone/>
-              <a:defRPr sz="900"/>
+              <a:defRPr sz="750"/>
             </a:lvl6pPr>
-            <a:lvl7pPr marL="2743200" indent="0">
+            <a:lvl7pPr marL="2285909" indent="0">
               <a:buNone/>
-              <a:defRPr sz="900"/>
+              <a:defRPr sz="750"/>
             </a:lvl7pPr>
-            <a:lvl8pPr marL="3200400" indent="0">
+            <a:lvl8pPr marL="2666893" indent="0">
               <a:buNone/>
-              <a:defRPr sz="900"/>
+              <a:defRPr sz="750"/>
             </a:lvl8pPr>
-            <a:lvl9pPr marL="3657600" indent="0">
+            <a:lvl9pPr marL="3047878" indent="0">
               <a:buNone/>
-              <a:defRPr sz="900"/>
+              <a:defRPr sz="750"/>
             </a:lvl9pPr>
           </a:lstStyle>
           <a:p>
@@ -4078,7 +5358,7 @@
             <a:fld id="{1D8BD707-D9CF-40AE-B4C6-C98DA3205C09}" type="datetimeFigureOut">
               <a:rPr lang="en-US" smtClean="0"/>
               <a:pPr/>
-              <a:t>8/7/2015</a:t>
+              <a:t>8/7/15</a:t>
             </a:fld>
             <a:endParaRPr lang="en-US"/>
           </a:p>
@@ -4128,6 +5408,11 @@
         </p:txBody>
       </p:sp>
     </p:spTree>
+    <p:extLst>
+      <p:ext uri="{BB962C8B-B14F-4D97-AF65-F5344CB8AC3E}">
+        <p14:creationId xmlns:p14="http://schemas.microsoft.com/office/powerpoint/2010/main" val="1308581515"/>
+      </p:ext>
+    </p:extLst>
   </p:cSld>
   <p:clrMapOvr>
     <a:masterClrMapping/>
@@ -4169,8 +5454,8 @@
         </p:nvSpPr>
         <p:spPr>
           <a:xfrm>
-            <a:off x="457200" y="274638"/>
-            <a:ext cx="8229600" cy="1143000"/>
+            <a:off x="107505" y="116633"/>
+            <a:ext cx="8928992" cy="576064"/>
           </a:xfrm>
           <a:prstGeom prst="rect">
             <a:avLst/>
@@ -4186,7 +5471,7 @@
               <a:rPr lang="en-US" smtClean="0"/>
               <a:t>Click to edit Master title style</a:t>
             </a:r>
-            <a:endParaRPr lang="en-US"/>
+            <a:endParaRPr lang="en-IN" dirty="0"/>
           </a:p>
         </p:txBody>
       </p:sp>
@@ -4202,8 +5487,8 @@
         </p:nvSpPr>
         <p:spPr>
           <a:xfrm>
-            <a:off x="457200" y="1600200"/>
-            <a:ext cx="8229600" cy="4525963"/>
+            <a:off x="107505" y="764704"/>
+            <a:ext cx="8928992" cy="5544616"/>
           </a:xfrm>
           <a:prstGeom prst="rect">
             <a:avLst/>
@@ -4248,7 +5533,7 @@
               <a:rPr lang="en-US" smtClean="0"/>
               <a:t>Fifth level</a:t>
             </a:r>
-            <a:endParaRPr lang="en-US"/>
+            <a:endParaRPr lang="en-IN" dirty="0"/>
           </a:p>
         </p:txBody>
       </p:sp>
@@ -4264,7 +5549,7 @@
         </p:nvSpPr>
         <p:spPr>
           <a:xfrm>
-            <a:off x="457200" y="6356350"/>
+            <a:off x="29388" y="6469087"/>
             <a:ext cx="2133600" cy="365125"/>
           </a:xfrm>
           <a:prstGeom prst="rect">
@@ -4275,7 +5560,7 @@
           <a:bodyPr vert="horz" lIns="91440" tIns="45720" rIns="91440" bIns="45720" rtlCol="0" anchor="ctr"/>
           <a:lstStyle>
             <a:lvl1pPr algn="l">
-              <a:defRPr sz="1200">
+              <a:defRPr sz="1000">
                 <a:solidFill>
                   <a:schemeClr val="tx1">
                     <a:tint val="75000"/>
@@ -4288,7 +5573,7 @@
             <a:fld id="{1D8BD707-D9CF-40AE-B4C6-C98DA3205C09}" type="datetimeFigureOut">
               <a:rPr lang="en-US" smtClean="0"/>
               <a:pPr/>
-              <a:t>8/7/2015</a:t>
+              <a:t>8/7/15</a:t>
             </a:fld>
             <a:endParaRPr lang="en-US"/>
           </a:p>
@@ -4306,7 +5591,7 @@
         </p:nvSpPr>
         <p:spPr>
           <a:xfrm>
-            <a:off x="3124200" y="6356350"/>
+            <a:off x="3147325" y="6469087"/>
             <a:ext cx="2895600" cy="365125"/>
           </a:xfrm>
           <a:prstGeom prst="rect">
@@ -4317,7 +5602,7 @@
           <a:bodyPr vert="horz" lIns="91440" tIns="45720" rIns="91440" bIns="45720" rtlCol="0" anchor="ctr"/>
           <a:lstStyle>
             <a:lvl1pPr algn="ctr">
-              <a:defRPr sz="1200">
+              <a:defRPr sz="1000">
                 <a:solidFill>
                   <a:schemeClr val="tx1">
                     <a:tint val="75000"/>
@@ -4343,7 +5628,7 @@
         </p:nvSpPr>
         <p:spPr>
           <a:xfrm>
-            <a:off x="6553200" y="6356350"/>
+            <a:off x="6873577" y="6474087"/>
             <a:ext cx="2133600" cy="365125"/>
           </a:xfrm>
           <a:prstGeom prst="rect">
@@ -4354,7 +5639,7 @@
           <a:bodyPr vert="horz" lIns="91440" tIns="45720" rIns="91440" bIns="45720" rtlCol="0" anchor="ctr"/>
           <a:lstStyle>
             <a:lvl1pPr algn="r">
-              <a:defRPr sz="1200">
+              <a:defRPr sz="1000">
                 <a:solidFill>
                   <a:schemeClr val="tx1">
                     <a:tint val="75000"/>
@@ -4374,29 +5659,35 @@
         </p:txBody>
       </p:sp>
     </p:spTree>
+    <p:extLst>
+      <p:ext uri="{BB962C8B-B14F-4D97-AF65-F5344CB8AC3E}">
+        <p14:creationId xmlns:p14="http://schemas.microsoft.com/office/powerpoint/2010/main" val="1953197930"/>
+      </p:ext>
+    </p:extLst>
   </p:cSld>
   <p:clrMap bg1="lt1" tx1="dk1" bg2="lt2" tx2="dk2" accent1="accent1" accent2="accent2" accent3="accent3" accent4="accent4" accent5="accent5" accent6="accent6" hlink="hlink" folHlink="folHlink"/>
   <p:sldLayoutIdLst>
-    <p:sldLayoutId id="2147483649" r:id="rId1"/>
-    <p:sldLayoutId id="2147483650" r:id="rId2"/>
-    <p:sldLayoutId id="2147483651" r:id="rId3"/>
-    <p:sldLayoutId id="2147483652" r:id="rId4"/>
-    <p:sldLayoutId id="2147483653" r:id="rId5"/>
-    <p:sldLayoutId id="2147483654" r:id="rId6"/>
-    <p:sldLayoutId id="2147483655" r:id="rId7"/>
-    <p:sldLayoutId id="2147483656" r:id="rId8"/>
-    <p:sldLayoutId id="2147483657" r:id="rId9"/>
-    <p:sldLayoutId id="2147483658" r:id="rId10"/>
-    <p:sldLayoutId id="2147483659" r:id="rId11"/>
+    <p:sldLayoutId id="2147483661" r:id="rId1"/>
+    <p:sldLayoutId id="2147483662" r:id="rId2"/>
+    <p:sldLayoutId id="2147483663" r:id="rId3"/>
+    <p:sldLayoutId id="2147483664" r:id="rId4"/>
+    <p:sldLayoutId id="2147483665" r:id="rId5"/>
+    <p:sldLayoutId id="2147483666" r:id="rId6"/>
+    <p:sldLayoutId id="2147483667" r:id="rId7"/>
+    <p:sldLayoutId id="2147483668" r:id="rId8"/>
+    <p:sldLayoutId id="2147483669" r:id="rId9"/>
+    <p:sldLayoutId id="2147483670" r:id="rId10"/>
+    <p:sldLayoutId id="2147483671" r:id="rId11"/>
+    <p:sldLayoutId id="2147483672" r:id="rId12"/>
   </p:sldLayoutIdLst>
   <p:txStyles>
     <p:titleStyle>
-      <a:lvl1pPr algn="ctr" defTabSz="914400" rtl="0" eaLnBrk="1" latinLnBrk="0" hangingPunct="1">
+      <a:lvl1pPr algn="l" defTabSz="761970" rtl="0" eaLnBrk="1" latinLnBrk="0" hangingPunct="1">
         <a:spcBef>
           <a:spcPct val="0"/>
         </a:spcBef>
         <a:buNone/>
-        <a:defRPr sz="4400" kern="1200">
+        <a:defRPr sz="2667" kern="1200">
           <a:solidFill>
             <a:schemeClr val="tx1"/>
           </a:solidFill>
@@ -4407,13 +5698,13 @@
       </a:lvl1pPr>
     </p:titleStyle>
     <p:bodyStyle>
-      <a:lvl1pPr marL="342900" indent="-342900" algn="l" defTabSz="914400" rtl="0" eaLnBrk="1" latinLnBrk="0" hangingPunct="1">
+      <a:lvl1pPr marL="285739" indent="-285739" algn="l" defTabSz="761970" rtl="0" eaLnBrk="1" latinLnBrk="0" hangingPunct="1">
         <a:spcBef>
           <a:spcPct val="20000"/>
         </a:spcBef>
-        <a:buFont typeface="Arial" pitchFamily="34" charset="0"/>
+        <a:buFont typeface="Arial" panose="020B0604020202020204" pitchFamily="34" charset="0"/>
         <a:buChar char="•"/>
-        <a:defRPr sz="3200" kern="1200">
+        <a:defRPr sz="1833" kern="1200">
           <a:solidFill>
             <a:schemeClr val="tx1"/>
           </a:solidFill>
@@ -4422,13 +5713,13 @@
           <a:cs typeface="+mn-cs"/>
         </a:defRPr>
       </a:lvl1pPr>
-      <a:lvl2pPr marL="742950" indent="-285750" algn="l" defTabSz="914400" rtl="0" eaLnBrk="1" latinLnBrk="0" hangingPunct="1">
+      <a:lvl2pPr marL="619100" indent="-238115" algn="l" defTabSz="761970" rtl="0" eaLnBrk="1" latinLnBrk="0" hangingPunct="1">
         <a:spcBef>
           <a:spcPct val="20000"/>
         </a:spcBef>
-        <a:buFont typeface="Arial" pitchFamily="34" charset="0"/>
+        <a:buFont typeface="Arial" panose="020B0604020202020204" pitchFamily="34" charset="0"/>
         <a:buChar char="–"/>
-        <a:defRPr sz="2800" kern="1200">
+        <a:defRPr sz="1667" kern="1200">
           <a:solidFill>
             <a:schemeClr val="tx1"/>
           </a:solidFill>
@@ -4437,13 +5728,13 @@
           <a:cs typeface="+mn-cs"/>
         </a:defRPr>
       </a:lvl2pPr>
-      <a:lvl3pPr marL="1143000" indent="-228600" algn="l" defTabSz="914400" rtl="0" eaLnBrk="1" latinLnBrk="0" hangingPunct="1">
+      <a:lvl3pPr marL="952462" indent="-190492" algn="l" defTabSz="761970" rtl="0" eaLnBrk="1" latinLnBrk="0" hangingPunct="1">
         <a:spcBef>
           <a:spcPct val="20000"/>
         </a:spcBef>
-        <a:buFont typeface="Arial" pitchFamily="34" charset="0"/>
+        <a:buFont typeface="Arial" panose="020B0604020202020204" pitchFamily="34" charset="0"/>
         <a:buChar char="•"/>
-        <a:defRPr sz="2400" kern="1200">
+        <a:defRPr sz="1500" kern="1200">
           <a:solidFill>
             <a:schemeClr val="tx1"/>
           </a:solidFill>
@@ -4452,13 +5743,13 @@
           <a:cs typeface="+mn-cs"/>
         </a:defRPr>
       </a:lvl3pPr>
-      <a:lvl4pPr marL="1600200" indent="-228600" algn="l" defTabSz="914400" rtl="0" eaLnBrk="1" latinLnBrk="0" hangingPunct="1">
+      <a:lvl4pPr marL="1333447" indent="-190492" algn="l" defTabSz="761970" rtl="0" eaLnBrk="1" latinLnBrk="0" hangingPunct="1">
         <a:spcBef>
           <a:spcPct val="20000"/>
         </a:spcBef>
-        <a:buFont typeface="Arial" pitchFamily="34" charset="0"/>
+        <a:buFont typeface="Arial" panose="020B0604020202020204" pitchFamily="34" charset="0"/>
         <a:buChar char="–"/>
-        <a:defRPr sz="2000" kern="1200">
+        <a:defRPr sz="1333" kern="1200">
           <a:solidFill>
             <a:schemeClr val="tx1"/>
           </a:solidFill>
@@ -4467,13 +5758,13 @@
           <a:cs typeface="+mn-cs"/>
         </a:defRPr>
       </a:lvl4pPr>
-      <a:lvl5pPr marL="2057400" indent="-228600" algn="l" defTabSz="914400" rtl="0" eaLnBrk="1" latinLnBrk="0" hangingPunct="1">
+      <a:lvl5pPr marL="1714431" indent="-190492" algn="l" defTabSz="761970" rtl="0" eaLnBrk="1" latinLnBrk="0" hangingPunct="1">
         <a:spcBef>
           <a:spcPct val="20000"/>
         </a:spcBef>
-        <a:buFont typeface="Arial" pitchFamily="34" charset="0"/>
+        <a:buFont typeface="Arial" panose="020B0604020202020204" pitchFamily="34" charset="0"/>
         <a:buChar char="»"/>
-        <a:defRPr sz="2000" kern="1200">
+        <a:defRPr sz="1167" kern="1200">
           <a:solidFill>
             <a:schemeClr val="tx1"/>
           </a:solidFill>
@@ -4482,13 +5773,13 @@
           <a:cs typeface="+mn-cs"/>
         </a:defRPr>
       </a:lvl5pPr>
-      <a:lvl6pPr marL="2514600" indent="-228600" algn="l" defTabSz="914400" rtl="0" eaLnBrk="1" latinLnBrk="0" hangingPunct="1">
+      <a:lvl6pPr marL="2095416" indent="-190492" algn="l" defTabSz="761970" rtl="0" eaLnBrk="1" latinLnBrk="0" hangingPunct="1">
         <a:spcBef>
           <a:spcPct val="20000"/>
         </a:spcBef>
-        <a:buFont typeface="Arial" pitchFamily="34" charset="0"/>
+        <a:buFont typeface="Arial" panose="020B0604020202020204" pitchFamily="34" charset="0"/>
         <a:buChar char="•"/>
-        <a:defRPr sz="2000" kern="1200">
+        <a:defRPr sz="1667" kern="1200">
           <a:solidFill>
             <a:schemeClr val="tx1"/>
           </a:solidFill>
@@ -4497,13 +5788,13 @@
           <a:cs typeface="+mn-cs"/>
         </a:defRPr>
       </a:lvl6pPr>
-      <a:lvl7pPr marL="2971800" indent="-228600" algn="l" defTabSz="914400" rtl="0" eaLnBrk="1" latinLnBrk="0" hangingPunct="1">
+      <a:lvl7pPr marL="2476401" indent="-190492" algn="l" defTabSz="761970" rtl="0" eaLnBrk="1" latinLnBrk="0" hangingPunct="1">
         <a:spcBef>
           <a:spcPct val="20000"/>
         </a:spcBef>
-        <a:buFont typeface="Arial" pitchFamily="34" charset="0"/>
+        <a:buFont typeface="Arial" panose="020B0604020202020204" pitchFamily="34" charset="0"/>
         <a:buChar char="•"/>
-        <a:defRPr sz="2000" kern="1200">
+        <a:defRPr sz="1667" kern="1200">
           <a:solidFill>
             <a:schemeClr val="tx1"/>
           </a:solidFill>
@@ -4512,13 +5803,13 @@
           <a:cs typeface="+mn-cs"/>
         </a:defRPr>
       </a:lvl7pPr>
-      <a:lvl8pPr marL="3429000" indent="-228600" algn="l" defTabSz="914400" rtl="0" eaLnBrk="1" latinLnBrk="0" hangingPunct="1">
+      <a:lvl8pPr marL="2857386" indent="-190492" algn="l" defTabSz="761970" rtl="0" eaLnBrk="1" latinLnBrk="0" hangingPunct="1">
         <a:spcBef>
           <a:spcPct val="20000"/>
         </a:spcBef>
-        <a:buFont typeface="Arial" pitchFamily="34" charset="0"/>
+        <a:buFont typeface="Arial" panose="020B0604020202020204" pitchFamily="34" charset="0"/>
         <a:buChar char="•"/>
-        <a:defRPr sz="2000" kern="1200">
+        <a:defRPr sz="1667" kern="1200">
           <a:solidFill>
             <a:schemeClr val="tx1"/>
           </a:solidFill>
@@ -4527,13 +5818,13 @@
           <a:cs typeface="+mn-cs"/>
         </a:defRPr>
       </a:lvl8pPr>
-      <a:lvl9pPr marL="3886200" indent="-228600" algn="l" defTabSz="914400" rtl="0" eaLnBrk="1" latinLnBrk="0" hangingPunct="1">
+      <a:lvl9pPr marL="3238370" indent="-190492" algn="l" defTabSz="761970" rtl="0" eaLnBrk="1" latinLnBrk="0" hangingPunct="1">
         <a:spcBef>
           <a:spcPct val="20000"/>
         </a:spcBef>
-        <a:buFont typeface="Arial" pitchFamily="34" charset="0"/>
+        <a:buFont typeface="Arial" panose="020B0604020202020204" pitchFamily="34" charset="0"/>
         <a:buChar char="•"/>
-        <a:defRPr sz="2000" kern="1200">
+        <a:defRPr sz="1667" kern="1200">
           <a:solidFill>
             <a:schemeClr val="tx1"/>
           </a:solidFill>
@@ -4547,8 +5838,8 @@
       <a:defPPr>
         <a:defRPr lang="en-US"/>
       </a:defPPr>
-      <a:lvl1pPr marL="0" algn="l" defTabSz="914400" rtl="0" eaLnBrk="1" latinLnBrk="0" hangingPunct="1">
-        <a:defRPr sz="1800" kern="1200">
+      <a:lvl1pPr marL="0" algn="l" defTabSz="761970" rtl="0" eaLnBrk="1" latinLnBrk="0" hangingPunct="1">
+        <a:defRPr sz="1500" kern="1200">
           <a:solidFill>
             <a:schemeClr val="tx1"/>
           </a:solidFill>
@@ -4557,8 +5848,8 @@
           <a:cs typeface="+mn-cs"/>
         </a:defRPr>
       </a:lvl1pPr>
-      <a:lvl2pPr marL="457200" algn="l" defTabSz="914400" rtl="0" eaLnBrk="1" latinLnBrk="0" hangingPunct="1">
-        <a:defRPr sz="1800" kern="1200">
+      <a:lvl2pPr marL="380985" algn="l" defTabSz="761970" rtl="0" eaLnBrk="1" latinLnBrk="0" hangingPunct="1">
+        <a:defRPr sz="1500" kern="1200">
           <a:solidFill>
             <a:schemeClr val="tx1"/>
           </a:solidFill>
@@ -4567,8 +5858,8 @@
           <a:cs typeface="+mn-cs"/>
         </a:defRPr>
       </a:lvl2pPr>
-      <a:lvl3pPr marL="914400" algn="l" defTabSz="914400" rtl="0" eaLnBrk="1" latinLnBrk="0" hangingPunct="1">
-        <a:defRPr sz="1800" kern="1200">
+      <a:lvl3pPr marL="761970" algn="l" defTabSz="761970" rtl="0" eaLnBrk="1" latinLnBrk="0" hangingPunct="1">
+        <a:defRPr sz="1500" kern="1200">
           <a:solidFill>
             <a:schemeClr val="tx1"/>
           </a:solidFill>
@@ -4577,8 +5868,8 @@
           <a:cs typeface="+mn-cs"/>
         </a:defRPr>
       </a:lvl3pPr>
-      <a:lvl4pPr marL="1371600" algn="l" defTabSz="914400" rtl="0" eaLnBrk="1" latinLnBrk="0" hangingPunct="1">
-        <a:defRPr sz="1800" kern="1200">
+      <a:lvl4pPr marL="1142954" algn="l" defTabSz="761970" rtl="0" eaLnBrk="1" latinLnBrk="0" hangingPunct="1">
+        <a:defRPr sz="1500" kern="1200">
           <a:solidFill>
             <a:schemeClr val="tx1"/>
           </a:solidFill>
@@ -4587,8 +5878,8 @@
           <a:cs typeface="+mn-cs"/>
         </a:defRPr>
       </a:lvl4pPr>
-      <a:lvl5pPr marL="1828800" algn="l" defTabSz="914400" rtl="0" eaLnBrk="1" latinLnBrk="0" hangingPunct="1">
-        <a:defRPr sz="1800" kern="1200">
+      <a:lvl5pPr marL="1523939" algn="l" defTabSz="761970" rtl="0" eaLnBrk="1" latinLnBrk="0" hangingPunct="1">
+        <a:defRPr sz="1500" kern="1200">
           <a:solidFill>
             <a:schemeClr val="tx1"/>
           </a:solidFill>
@@ -4597,8 +5888,8 @@
           <a:cs typeface="+mn-cs"/>
         </a:defRPr>
       </a:lvl5pPr>
-      <a:lvl6pPr marL="2286000" algn="l" defTabSz="914400" rtl="0" eaLnBrk="1" latinLnBrk="0" hangingPunct="1">
-        <a:defRPr sz="1800" kern="1200">
+      <a:lvl6pPr marL="1904924" algn="l" defTabSz="761970" rtl="0" eaLnBrk="1" latinLnBrk="0" hangingPunct="1">
+        <a:defRPr sz="1500" kern="1200">
           <a:solidFill>
             <a:schemeClr val="tx1"/>
           </a:solidFill>
@@ -4607,8 +5898,8 @@
           <a:cs typeface="+mn-cs"/>
         </a:defRPr>
       </a:lvl6pPr>
-      <a:lvl7pPr marL="2743200" algn="l" defTabSz="914400" rtl="0" eaLnBrk="1" latinLnBrk="0" hangingPunct="1">
-        <a:defRPr sz="1800" kern="1200">
+      <a:lvl7pPr marL="2285909" algn="l" defTabSz="761970" rtl="0" eaLnBrk="1" latinLnBrk="0" hangingPunct="1">
+        <a:defRPr sz="1500" kern="1200">
           <a:solidFill>
             <a:schemeClr val="tx1"/>
           </a:solidFill>
@@ -4617,8 +5908,8 @@
           <a:cs typeface="+mn-cs"/>
         </a:defRPr>
       </a:lvl7pPr>
-      <a:lvl8pPr marL="3200400" algn="l" defTabSz="914400" rtl="0" eaLnBrk="1" latinLnBrk="0" hangingPunct="1">
-        <a:defRPr sz="1800" kern="1200">
+      <a:lvl8pPr marL="2666893" algn="l" defTabSz="761970" rtl="0" eaLnBrk="1" latinLnBrk="0" hangingPunct="1">
+        <a:defRPr sz="1500" kern="1200">
           <a:solidFill>
             <a:schemeClr val="tx1"/>
           </a:solidFill>
@@ -4627,8 +5918,8 @@
           <a:cs typeface="+mn-cs"/>
         </a:defRPr>
       </a:lvl8pPr>
-      <a:lvl9pPr marL="3657600" algn="l" defTabSz="914400" rtl="0" eaLnBrk="1" latinLnBrk="0" hangingPunct="1">
-        <a:defRPr sz="1800" kern="1200">
+      <a:lvl9pPr marL="3047878" algn="l" defTabSz="761970" rtl="0" eaLnBrk="1" latinLnBrk="0" hangingPunct="1">
+        <a:defRPr sz="1500" kern="1200">
           <a:solidFill>
             <a:schemeClr val="tx1"/>
           </a:solidFill>
@@ -18013,7 +19304,7 @@
         </p:spPr>
         <p:txBody>
           <a:bodyPr>
-            <a:normAutofit fontScale="77500" lnSpcReduction="20000"/>
+            <a:normAutofit/>
           </a:bodyPr>
           <a:lstStyle/>
           <a:p>
@@ -24215,7 +25506,7 @@
         <p:spPr/>
         <p:txBody>
           <a:bodyPr>
-            <a:normAutofit fontScale="92500" lnSpcReduction="20000"/>
+            <a:normAutofit/>
           </a:bodyPr>
           <a:lstStyle/>
           <a:p>
@@ -24457,7 +25748,7 @@
         </p:spPr>
         <p:txBody>
           <a:bodyPr>
-            <a:normAutofit fontScale="85000" lnSpcReduction="20000"/>
+            <a:normAutofit/>
           </a:bodyPr>
           <a:lstStyle/>
           <a:p>
@@ -34109,7 +35400,7 @@
         <p:spPr/>
         <p:txBody>
           <a:bodyPr>
-            <a:normAutofit fontScale="92500" lnSpcReduction="10000"/>
+            <a:normAutofit/>
           </a:bodyPr>
           <a:lstStyle/>
           <a:p>
@@ -34737,7 +36028,7 @@
 </file>
 
 <file path=ppt/theme/theme1.xml><?xml version="1.0" encoding="utf-8"?>
-<a:theme xmlns:a="http://schemas.openxmlformats.org/drawingml/2006/main" name="Office Theme">
+<a:theme xmlns:a="http://schemas.openxmlformats.org/drawingml/2006/main" name="SimpleOrangeLinePPT">
   <a:themeElements>
     <a:clrScheme name="Office">
       <a:dk1>
@@ -34811,6 +36102,7 @@
         <a:font script="Mong" typeface="Mongolian Baiti"/>
         <a:font script="Viet" typeface="Times New Roman"/>
         <a:font script="Uigh" typeface="Microsoft Uighur"/>
+        <a:font script="Geor" typeface="Sylfaen"/>
       </a:majorFont>
       <a:minorFont>
         <a:latin typeface="Calibri"/>
@@ -34845,6 +36137,7 @@
         <a:font script="Mong" typeface="Mongolian Baiti"/>
         <a:font script="Viet" typeface="Arial"/>
         <a:font script="Uigh" typeface="Microsoft Uighur"/>
+        <a:font script="Geor" typeface="Sylfaen"/>
       </a:minorFont>
     </a:fontScheme>
     <a:fmtScheme name="Office">
@@ -35016,6 +36309,11 @@
   </a:themeElements>
   <a:objectDefaults/>
   <a:extraClrSchemeLst/>
+  <a:extLst>
+    <a:ext uri="{05A4C25C-085E-4340-85A3-A5531E510DB2}">
+      <thm15:themeFamily xmlns:thm15="http://schemas.microsoft.com/office/thememl/2012/main" name="SimpleOrangeLinePPT" id="{B850F300-3A6F-5E44-B2B2-B19B4711B10F}" vid="{8B58572D-2C56-6F41-98C0-684C2D82D463}"/>
+    </a:ext>
+  </a:extLst>
 </a:theme>
 </file>
 

--- a/OS-Neutron-L3.pptx
+++ b/OS-Neutron-L3.pptx
@@ -157,7 +157,7 @@
   </p:defaultTextStyle>
   <p:extLst>
     <p:ext uri="{EFAFB233-063F-42B5-8137-9DF3F51BA10A}">
-      <p15:sldGuideLst xmlns:p15="http://schemas.microsoft.com/office/powerpoint/2012/main">
+      <p15:sldGuideLst xmlns:p15="http://schemas.microsoft.com/office/powerpoint/2012/main" xmlns="">
         <p15:guide id="1" orient="horz" pos="2160">
           <p15:clr>
             <a:srgbClr val="A4A3A4"/>
@@ -256,7 +256,7 @@
           <a:p>
             <a:fld id="{33DDA533-49F4-41FE-842B-8B6488266972}" type="datetimeFigureOut">
               <a:rPr lang="en-US" smtClean="0"/>
-              <a:t>8/7/15</a:t>
+              <a:t>8/8/2015</a:t>
             </a:fld>
             <a:endParaRPr lang="en-US"/>
           </a:p>
@@ -1911,7 +1911,7 @@
             <a:fld id="{1D8BD707-D9CF-40AE-B4C6-C98DA3205C09}" type="datetimeFigureOut">
               <a:rPr lang="en-US" smtClean="0"/>
               <a:pPr/>
-              <a:t>8/7/15</a:t>
+              <a:t>8/8/2015</a:t>
             </a:fld>
             <a:endParaRPr lang="en-US"/>
           </a:p>
@@ -2149,7 +2149,7 @@
             <a:fld id="{1D8BD707-D9CF-40AE-B4C6-C98DA3205C09}" type="datetimeFigureOut">
               <a:rPr lang="en-US" smtClean="0"/>
               <a:pPr/>
-              <a:t>8/7/15</a:t>
+              <a:t>8/8/2015</a:t>
             </a:fld>
             <a:endParaRPr lang="en-US"/>
           </a:p>
@@ -2331,7 +2331,7 @@
             <a:fld id="{1D8BD707-D9CF-40AE-B4C6-C98DA3205C09}" type="datetimeFigureOut">
               <a:rPr lang="en-US" smtClean="0"/>
               <a:pPr/>
-              <a:t>8/7/15</a:t>
+              <a:t>8/8/2015</a:t>
             </a:fld>
             <a:endParaRPr lang="en-US"/>
           </a:p>
@@ -2900,7 +2900,7 @@
             <a:fld id="{1D8BD707-D9CF-40AE-B4C6-C98DA3205C09}" type="datetimeFigureOut">
               <a:rPr lang="en-US" smtClean="0"/>
               <a:pPr/>
-              <a:t>8/7/15</a:t>
+              <a:t>8/8/2015</a:t>
             </a:fld>
             <a:endParaRPr lang="en-US"/>
           </a:p>
@@ -3291,7 +3291,7 @@
             <a:fld id="{1D8BD707-D9CF-40AE-B4C6-C98DA3205C09}" type="datetimeFigureOut">
               <a:rPr lang="en-US" smtClean="0"/>
               <a:pPr/>
-              <a:t>8/7/15</a:t>
+              <a:t>8/8/2015</a:t>
             </a:fld>
             <a:endParaRPr lang="en-US"/>
           </a:p>
@@ -3647,7 +3647,7 @@
             <a:fld id="{1D8BD707-D9CF-40AE-B4C6-C98DA3205C09}" type="datetimeFigureOut">
               <a:rPr lang="en-US" smtClean="0"/>
               <a:pPr/>
-              <a:t>8/7/15</a:t>
+              <a:t>8/8/2015</a:t>
             </a:fld>
             <a:endParaRPr lang="en-US"/>
           </a:p>
@@ -4204,7 +4204,7 @@
             <a:fld id="{1D8BD707-D9CF-40AE-B4C6-C98DA3205C09}" type="datetimeFigureOut">
               <a:rPr lang="en-US" smtClean="0"/>
               <a:pPr/>
-              <a:t>8/7/15</a:t>
+              <a:t>8/8/2015</a:t>
             </a:fld>
             <a:endParaRPr lang="en-US"/>
           </a:p>
@@ -4457,7 +4457,7 @@
             <a:fld id="{1D8BD707-D9CF-40AE-B4C6-C98DA3205C09}" type="datetimeFigureOut">
               <a:rPr lang="en-US" smtClean="0"/>
               <a:pPr/>
-              <a:t>8/7/15</a:t>
+              <a:t>8/8/2015</a:t>
             </a:fld>
             <a:endParaRPr lang="en-US"/>
           </a:p>
@@ -4687,7 +4687,7 @@
             <a:fld id="{1D8BD707-D9CF-40AE-B4C6-C98DA3205C09}" type="datetimeFigureOut">
               <a:rPr lang="en-US" smtClean="0"/>
               <a:pPr/>
-              <a:t>8/7/15</a:t>
+              <a:t>8/8/2015</a:t>
             </a:fld>
             <a:endParaRPr lang="en-US"/>
           </a:p>
@@ -5099,7 +5099,7 @@
             <a:fld id="{1D8BD707-D9CF-40AE-B4C6-C98DA3205C09}" type="datetimeFigureOut">
               <a:rPr lang="en-US" smtClean="0"/>
               <a:pPr/>
-              <a:t>8/7/15</a:t>
+              <a:t>8/8/2015</a:t>
             </a:fld>
             <a:endParaRPr lang="en-US"/>
           </a:p>
@@ -5358,7 +5358,7 @@
             <a:fld id="{1D8BD707-D9CF-40AE-B4C6-C98DA3205C09}" type="datetimeFigureOut">
               <a:rPr lang="en-US" smtClean="0"/>
               <a:pPr/>
-              <a:t>8/7/15</a:t>
+              <a:t>8/8/2015</a:t>
             </a:fld>
             <a:endParaRPr lang="en-US"/>
           </a:p>
@@ -5573,7 +5573,7 @@
             <a:fld id="{1D8BD707-D9CF-40AE-B4C6-C98DA3205C09}" type="datetimeFigureOut">
               <a:rPr lang="en-US" smtClean="0"/>
               <a:pPr/>
-              <a:t>8/7/15</a:t>
+              <a:t>8/8/2015</a:t>
             </a:fld>
             <a:endParaRPr lang="en-US"/>
           </a:p>
@@ -36311,7 +36311,7 @@
   <a:extraClrSchemeLst/>
   <a:extLst>
     <a:ext uri="{05A4C25C-085E-4340-85A3-A5531E510DB2}">
-      <thm15:themeFamily xmlns:thm15="http://schemas.microsoft.com/office/thememl/2012/main" name="SimpleOrangeLinePPT" id="{B850F300-3A6F-5E44-B2B2-B19B4711B10F}" vid="{8B58572D-2C56-6F41-98C0-684C2D82D463}"/>
+      <thm15:themeFamily xmlns:thm15="http://schemas.microsoft.com/office/thememl/2012/main" xmlns="" name="SimpleOrangeLinePPT" id="{B850F300-3A6F-5E44-B2B2-B19B4711B10F}" vid="{8B58572D-2C56-6F41-98C0-684C2D82D463}"/>
     </a:ext>
   </a:extLst>
 </a:theme>
